--- a/ROS lec 1.pptx
+++ b/ROS lec 1.pptx
@@ -15,6 +15,12 @@
     <p:sldId id="265" r:id="rId9"/>
     <p:sldId id="260" r:id="rId10"/>
     <p:sldId id="258" r:id="rId11"/>
+    <p:sldId id="266" r:id="rId12"/>
+    <p:sldId id="267" r:id="rId13"/>
+    <p:sldId id="268" r:id="rId14"/>
+    <p:sldId id="269" r:id="rId15"/>
+    <p:sldId id="270" r:id="rId16"/>
+    <p:sldId id="271" r:id="rId17"/>
   </p:sldIdLst>
   <p:sldSz cx="12192000" cy="6858000"/>
   <p:notesSz cx="6858000" cy="9144000"/>
@@ -252,9 +258,9 @@
           <a:p>
             <a:fld id="{13CE46BE-96E9-4A8C-84B7-32075502C6FA}" type="datetimeFigureOut">
               <a:rPr lang="en-US" smtClean="0"/>
-              <a:t>6/28/2016</a:t>
+              <a:t>6/30/2016</a:t>
             </a:fld>
-            <a:endParaRPr lang="en-US"/>
+            <a:endParaRPr lang="en-US" dirty="0"/>
           </a:p>
         </p:txBody>
       </p:sp>
@@ -273,7 +279,7 @@
           <a:bodyPr/>
           <a:lstStyle/>
           <a:p>
-            <a:endParaRPr lang="en-US"/>
+            <a:endParaRPr lang="en-US" dirty="0"/>
           </a:p>
         </p:txBody>
       </p:sp>
@@ -296,7 +302,7 @@
               <a:rPr lang="en-US" smtClean="0"/>
               <a:t>‹#›</a:t>
             </a:fld>
-            <a:endParaRPr lang="en-US"/>
+            <a:endParaRPr lang="en-US" dirty="0"/>
           </a:p>
         </p:txBody>
       </p:sp>
@@ -422,9 +428,9 @@
           <a:p>
             <a:fld id="{13CE46BE-96E9-4A8C-84B7-32075502C6FA}" type="datetimeFigureOut">
               <a:rPr lang="en-US" smtClean="0"/>
-              <a:t>6/28/2016</a:t>
+              <a:t>6/30/2016</a:t>
             </a:fld>
-            <a:endParaRPr lang="en-US"/>
+            <a:endParaRPr lang="en-US" dirty="0"/>
           </a:p>
         </p:txBody>
       </p:sp>
@@ -443,7 +449,7 @@
           <a:bodyPr/>
           <a:lstStyle/>
           <a:p>
-            <a:endParaRPr lang="en-US"/>
+            <a:endParaRPr lang="en-US" dirty="0"/>
           </a:p>
         </p:txBody>
       </p:sp>
@@ -466,7 +472,7 @@
               <a:rPr lang="en-US" smtClean="0"/>
               <a:t>‹#›</a:t>
             </a:fld>
-            <a:endParaRPr lang="en-US"/>
+            <a:endParaRPr lang="en-US" dirty="0"/>
           </a:p>
         </p:txBody>
       </p:sp>
@@ -602,9 +608,9 @@
           <a:p>
             <a:fld id="{13CE46BE-96E9-4A8C-84B7-32075502C6FA}" type="datetimeFigureOut">
               <a:rPr lang="en-US" smtClean="0"/>
-              <a:t>6/28/2016</a:t>
+              <a:t>6/30/2016</a:t>
             </a:fld>
-            <a:endParaRPr lang="en-US"/>
+            <a:endParaRPr lang="en-US" dirty="0"/>
           </a:p>
         </p:txBody>
       </p:sp>
@@ -623,7 +629,7 @@
           <a:bodyPr/>
           <a:lstStyle/>
           <a:p>
-            <a:endParaRPr lang="en-US"/>
+            <a:endParaRPr lang="en-US" dirty="0"/>
           </a:p>
         </p:txBody>
       </p:sp>
@@ -646,7 +652,7 @@
               <a:rPr lang="en-US" smtClean="0"/>
               <a:t>‹#›</a:t>
             </a:fld>
-            <a:endParaRPr lang="en-US"/>
+            <a:endParaRPr lang="en-US" dirty="0"/>
           </a:p>
         </p:txBody>
       </p:sp>
@@ -772,9 +778,9 @@
           <a:p>
             <a:fld id="{13CE46BE-96E9-4A8C-84B7-32075502C6FA}" type="datetimeFigureOut">
               <a:rPr lang="en-US" smtClean="0"/>
-              <a:t>6/28/2016</a:t>
+              <a:t>6/30/2016</a:t>
             </a:fld>
-            <a:endParaRPr lang="en-US"/>
+            <a:endParaRPr lang="en-US" dirty="0"/>
           </a:p>
         </p:txBody>
       </p:sp>
@@ -793,7 +799,7 @@
           <a:bodyPr/>
           <a:lstStyle/>
           <a:p>
-            <a:endParaRPr lang="en-US"/>
+            <a:endParaRPr lang="en-US" dirty="0"/>
           </a:p>
         </p:txBody>
       </p:sp>
@@ -816,7 +822,7 @@
               <a:rPr lang="en-US" smtClean="0"/>
               <a:t>‹#›</a:t>
             </a:fld>
-            <a:endParaRPr lang="en-US"/>
+            <a:endParaRPr lang="en-US" dirty="0"/>
           </a:p>
         </p:txBody>
       </p:sp>
@@ -1018,9 +1024,9 @@
           <a:p>
             <a:fld id="{13CE46BE-96E9-4A8C-84B7-32075502C6FA}" type="datetimeFigureOut">
               <a:rPr lang="en-US" smtClean="0"/>
-              <a:t>6/28/2016</a:t>
+              <a:t>6/30/2016</a:t>
             </a:fld>
-            <a:endParaRPr lang="en-US"/>
+            <a:endParaRPr lang="en-US" dirty="0"/>
           </a:p>
         </p:txBody>
       </p:sp>
@@ -1039,7 +1045,7 @@
           <a:bodyPr/>
           <a:lstStyle/>
           <a:p>
-            <a:endParaRPr lang="en-US"/>
+            <a:endParaRPr lang="en-US" dirty="0"/>
           </a:p>
         </p:txBody>
       </p:sp>
@@ -1062,7 +1068,7 @@
               <a:rPr lang="en-US" smtClean="0"/>
               <a:t>‹#›</a:t>
             </a:fld>
-            <a:endParaRPr lang="en-US"/>
+            <a:endParaRPr lang="en-US" dirty="0"/>
           </a:p>
         </p:txBody>
       </p:sp>
@@ -1250,9 +1256,9 @@
           <a:p>
             <a:fld id="{13CE46BE-96E9-4A8C-84B7-32075502C6FA}" type="datetimeFigureOut">
               <a:rPr lang="en-US" smtClean="0"/>
-              <a:t>6/28/2016</a:t>
+              <a:t>6/30/2016</a:t>
             </a:fld>
-            <a:endParaRPr lang="en-US"/>
+            <a:endParaRPr lang="en-US" dirty="0"/>
           </a:p>
         </p:txBody>
       </p:sp>
@@ -1271,7 +1277,7 @@
           <a:bodyPr/>
           <a:lstStyle/>
           <a:p>
-            <a:endParaRPr lang="en-US"/>
+            <a:endParaRPr lang="en-US" dirty="0"/>
           </a:p>
         </p:txBody>
       </p:sp>
@@ -1294,7 +1300,7 @@
               <a:rPr lang="en-US" smtClean="0"/>
               <a:t>‹#›</a:t>
             </a:fld>
-            <a:endParaRPr lang="en-US"/>
+            <a:endParaRPr lang="en-US" dirty="0"/>
           </a:p>
         </p:txBody>
       </p:sp>
@@ -1617,9 +1623,9 @@
           <a:p>
             <a:fld id="{13CE46BE-96E9-4A8C-84B7-32075502C6FA}" type="datetimeFigureOut">
               <a:rPr lang="en-US" smtClean="0"/>
-              <a:t>6/28/2016</a:t>
+              <a:t>6/30/2016</a:t>
             </a:fld>
-            <a:endParaRPr lang="en-US"/>
+            <a:endParaRPr lang="en-US" dirty="0"/>
           </a:p>
         </p:txBody>
       </p:sp>
@@ -1638,7 +1644,7 @@
           <a:bodyPr/>
           <a:lstStyle/>
           <a:p>
-            <a:endParaRPr lang="en-US"/>
+            <a:endParaRPr lang="en-US" dirty="0"/>
           </a:p>
         </p:txBody>
       </p:sp>
@@ -1661,7 +1667,7 @@
               <a:rPr lang="en-US" smtClean="0"/>
               <a:t>‹#›</a:t>
             </a:fld>
-            <a:endParaRPr lang="en-US"/>
+            <a:endParaRPr lang="en-US" dirty="0"/>
           </a:p>
         </p:txBody>
       </p:sp>
@@ -1735,9 +1741,9 @@
           <a:p>
             <a:fld id="{13CE46BE-96E9-4A8C-84B7-32075502C6FA}" type="datetimeFigureOut">
               <a:rPr lang="en-US" smtClean="0"/>
-              <a:t>6/28/2016</a:t>
+              <a:t>6/30/2016</a:t>
             </a:fld>
-            <a:endParaRPr lang="en-US"/>
+            <a:endParaRPr lang="en-US" dirty="0"/>
           </a:p>
         </p:txBody>
       </p:sp>
@@ -1756,7 +1762,7 @@
           <a:bodyPr/>
           <a:lstStyle/>
           <a:p>
-            <a:endParaRPr lang="en-US"/>
+            <a:endParaRPr lang="en-US" dirty="0"/>
           </a:p>
         </p:txBody>
       </p:sp>
@@ -1779,7 +1785,7 @@
               <a:rPr lang="en-US" smtClean="0"/>
               <a:t>‹#›</a:t>
             </a:fld>
-            <a:endParaRPr lang="en-US"/>
+            <a:endParaRPr lang="en-US" dirty="0"/>
           </a:p>
         </p:txBody>
       </p:sp>
@@ -1830,9 +1836,9 @@
           <a:p>
             <a:fld id="{13CE46BE-96E9-4A8C-84B7-32075502C6FA}" type="datetimeFigureOut">
               <a:rPr lang="en-US" smtClean="0"/>
-              <a:t>6/28/2016</a:t>
+              <a:t>6/30/2016</a:t>
             </a:fld>
-            <a:endParaRPr lang="en-US"/>
+            <a:endParaRPr lang="en-US" dirty="0"/>
           </a:p>
         </p:txBody>
       </p:sp>
@@ -1851,7 +1857,7 @@
           <a:bodyPr/>
           <a:lstStyle/>
           <a:p>
-            <a:endParaRPr lang="en-US"/>
+            <a:endParaRPr lang="en-US" dirty="0"/>
           </a:p>
         </p:txBody>
       </p:sp>
@@ -1874,7 +1880,7 @@
               <a:rPr lang="en-US" smtClean="0"/>
               <a:t>‹#›</a:t>
             </a:fld>
-            <a:endParaRPr lang="en-US"/>
+            <a:endParaRPr lang="en-US" dirty="0"/>
           </a:p>
         </p:txBody>
       </p:sp>
@@ -2107,9 +2113,9 @@
           <a:p>
             <a:fld id="{13CE46BE-96E9-4A8C-84B7-32075502C6FA}" type="datetimeFigureOut">
               <a:rPr lang="en-US" smtClean="0"/>
-              <a:t>6/28/2016</a:t>
+              <a:t>6/30/2016</a:t>
             </a:fld>
-            <a:endParaRPr lang="en-US"/>
+            <a:endParaRPr lang="en-US" dirty="0"/>
           </a:p>
         </p:txBody>
       </p:sp>
@@ -2128,7 +2134,7 @@
           <a:bodyPr/>
           <a:lstStyle/>
           <a:p>
-            <a:endParaRPr lang="en-US"/>
+            <a:endParaRPr lang="en-US" dirty="0"/>
           </a:p>
         </p:txBody>
       </p:sp>
@@ -2151,7 +2157,7 @@
               <a:rPr lang="en-US" smtClean="0"/>
               <a:t>‹#›</a:t>
             </a:fld>
-            <a:endParaRPr lang="en-US"/>
+            <a:endParaRPr lang="en-US" dirty="0"/>
           </a:p>
         </p:txBody>
       </p:sp>
@@ -2274,7 +2280,7 @@
             </a:lvl9pPr>
           </a:lstStyle>
           <a:p>
-            <a:endParaRPr lang="en-US"/>
+            <a:endParaRPr lang="en-US" dirty="0"/>
           </a:p>
         </p:txBody>
       </p:sp>
@@ -2360,9 +2366,9 @@
           <a:p>
             <a:fld id="{13CE46BE-96E9-4A8C-84B7-32075502C6FA}" type="datetimeFigureOut">
               <a:rPr lang="en-US" smtClean="0"/>
-              <a:t>6/28/2016</a:t>
+              <a:t>6/30/2016</a:t>
             </a:fld>
-            <a:endParaRPr lang="en-US"/>
+            <a:endParaRPr lang="en-US" dirty="0"/>
           </a:p>
         </p:txBody>
       </p:sp>
@@ -2381,7 +2387,7 @@
           <a:bodyPr/>
           <a:lstStyle/>
           <a:p>
-            <a:endParaRPr lang="en-US"/>
+            <a:endParaRPr lang="en-US" dirty="0"/>
           </a:p>
         </p:txBody>
       </p:sp>
@@ -2404,7 +2410,7 @@
               <a:rPr lang="en-US" smtClean="0"/>
               <a:t>‹#›</a:t>
             </a:fld>
-            <a:endParaRPr lang="en-US"/>
+            <a:endParaRPr lang="en-US" dirty="0"/>
           </a:p>
         </p:txBody>
       </p:sp>
@@ -2573,9 +2579,9 @@
           <a:p>
             <a:fld id="{13CE46BE-96E9-4A8C-84B7-32075502C6FA}" type="datetimeFigureOut">
               <a:rPr lang="en-US" smtClean="0"/>
-              <a:t>6/28/2016</a:t>
+              <a:t>6/30/2016</a:t>
             </a:fld>
-            <a:endParaRPr lang="en-US"/>
+            <a:endParaRPr lang="en-US" dirty="0"/>
           </a:p>
         </p:txBody>
       </p:sp>
@@ -2612,7 +2618,7 @@
             </a:lvl1pPr>
           </a:lstStyle>
           <a:p>
-            <a:endParaRPr lang="en-US"/>
+            <a:endParaRPr lang="en-US" dirty="0"/>
           </a:p>
         </p:txBody>
       </p:sp>
@@ -2653,7 +2659,7 @@
               <a:rPr lang="en-US" smtClean="0"/>
               <a:t>‹#›</a:t>
             </a:fld>
-            <a:endParaRPr lang="en-US"/>
+            <a:endParaRPr lang="en-US" dirty="0"/>
           </a:p>
         </p:txBody>
       </p:sp>
@@ -3176,13 +3182,13 @@
               <a:t>For </a:t>
             </a:r>
             <a:r>
-              <a:rPr lang="en-US" dirty="0" err="1">
+              <a:rPr lang="en-US" dirty="0">
                 <a:hlinkClick r:id="rId4"/>
               </a:rPr>
               <a:t>T</a:t>
             </a:r>
             <a:r>
-              <a:rPr lang="en-US" dirty="0" err="1" smtClean="0">
+              <a:rPr lang="en-US" dirty="0" smtClean="0">
                 <a:hlinkClick r:id="rId4"/>
               </a:rPr>
               <a:t>urtleBot</a:t>
@@ -3195,6 +3201,2287 @@
     <p:extLst>
       <p:ext uri="{BB962C8B-B14F-4D97-AF65-F5344CB8AC3E}">
         <p14:creationId xmlns:p14="http://schemas.microsoft.com/office/powerpoint/2010/main" val="2013075515"/>
+      </p:ext>
+    </p:extLst>
+  </p:cSld>
+  <p:clrMapOvr>
+    <a:masterClrMapping/>
+  </p:clrMapOvr>
+  <p:timing>
+    <p:tnLst>
+      <p:par>
+        <p:cTn id="1" dur="indefinite" restart="never" nodeType="tmRoot"/>
+      </p:par>
+    </p:tnLst>
+  </p:timing>
+</p:sld>
+</file>
+
+<file path=ppt/slides/slide11.xml><?xml version="1.0" encoding="utf-8"?>
+<p:sld xmlns:a="http://schemas.openxmlformats.org/drawingml/2006/main" xmlns:r="http://schemas.openxmlformats.org/officeDocument/2006/relationships" xmlns:p="http://schemas.openxmlformats.org/presentationml/2006/main">
+  <p:cSld>
+    <p:spTree>
+      <p:nvGrpSpPr>
+        <p:cNvPr id="1" name=""/>
+        <p:cNvGrpSpPr/>
+        <p:nvPr/>
+      </p:nvGrpSpPr>
+      <p:grpSpPr>
+        <a:xfrm>
+          <a:off x="0" y="0"/>
+          <a:ext cx="0" cy="0"/>
+          <a:chOff x="0" y="0"/>
+          <a:chExt cx="0" cy="0"/>
+        </a:xfrm>
+      </p:grpSpPr>
+      <p:sp>
+        <p:nvSpPr>
+          <p:cNvPr id="4" name="TextBox 3"/>
+          <p:cNvSpPr txBox="1"/>
+          <p:nvPr/>
+        </p:nvSpPr>
+        <p:spPr>
+          <a:xfrm>
+            <a:off x="645459" y="555812"/>
+            <a:ext cx="2744597" cy="369332"/>
+          </a:xfrm>
+          <a:prstGeom prst="rect">
+            <a:avLst/>
+          </a:prstGeom>
+          <a:noFill/>
+          <a:ln>
+            <a:solidFill>
+              <a:srgbClr val="7030A0"/>
+            </a:solidFill>
+          </a:ln>
+        </p:spPr>
+        <p:txBody>
+          <a:bodyPr wrap="none" rtlCol="0">
+            <a:spAutoFit/>
+          </a:bodyPr>
+          <a:lstStyle/>
+          <a:p>
+            <a:r>
+              <a:rPr lang="en-US" dirty="0" smtClean="0">
+                <a:solidFill>
+                  <a:schemeClr val="accent1">
+                    <a:lumMod val="75000"/>
+                  </a:schemeClr>
+                </a:solidFill>
+              </a:rPr>
+              <a:t>Managing the environment</a:t>
+            </a:r>
+            <a:endParaRPr lang="en-US" dirty="0">
+              <a:solidFill>
+                <a:schemeClr val="accent1">
+                  <a:lumMod val="75000"/>
+                </a:schemeClr>
+              </a:solidFill>
+            </a:endParaRPr>
+          </a:p>
+        </p:txBody>
+      </p:sp>
+      <p:sp>
+        <p:nvSpPr>
+          <p:cNvPr id="5" name="TextBox 4"/>
+          <p:cNvSpPr txBox="1"/>
+          <p:nvPr/>
+        </p:nvSpPr>
+        <p:spPr>
+          <a:xfrm>
+            <a:off x="887506" y="2743200"/>
+            <a:ext cx="2040046" cy="369332"/>
+          </a:xfrm>
+          <a:prstGeom prst="rect">
+            <a:avLst/>
+          </a:prstGeom>
+          <a:noFill/>
+          <a:ln>
+            <a:solidFill>
+              <a:srgbClr val="7030A0"/>
+            </a:solidFill>
+          </a:ln>
+        </p:spPr>
+        <p:txBody>
+          <a:bodyPr wrap="none" rtlCol="0">
+            <a:spAutoFit/>
+          </a:bodyPr>
+          <a:lstStyle/>
+          <a:p>
+            <a:r>
+              <a:rPr lang="en-US" dirty="0"/>
+              <a:t>printenv | grep ROS</a:t>
+            </a:r>
+          </a:p>
+        </p:txBody>
+      </p:sp>
+    </p:spTree>
+    <p:extLst>
+      <p:ext uri="{BB962C8B-B14F-4D97-AF65-F5344CB8AC3E}">
+        <p14:creationId xmlns:p14="http://schemas.microsoft.com/office/powerpoint/2010/main" val="4093466545"/>
+      </p:ext>
+    </p:extLst>
+  </p:cSld>
+  <p:clrMapOvr>
+    <a:masterClrMapping/>
+  </p:clrMapOvr>
+</p:sld>
+</file>
+
+<file path=ppt/slides/slide12.xml><?xml version="1.0" encoding="utf-8"?>
+<p:sld xmlns:a="http://schemas.openxmlformats.org/drawingml/2006/main" xmlns:r="http://schemas.openxmlformats.org/officeDocument/2006/relationships" xmlns:p="http://schemas.openxmlformats.org/presentationml/2006/main">
+  <p:cSld>
+    <p:spTree>
+      <p:nvGrpSpPr>
+        <p:cNvPr id="1" name=""/>
+        <p:cNvGrpSpPr/>
+        <p:nvPr/>
+      </p:nvGrpSpPr>
+      <p:grpSpPr>
+        <a:xfrm>
+          <a:off x="0" y="0"/>
+          <a:ext cx="0" cy="0"/>
+          <a:chOff x="0" y="0"/>
+          <a:chExt cx="0" cy="0"/>
+        </a:xfrm>
+      </p:grpSpPr>
+      <p:sp>
+        <p:nvSpPr>
+          <p:cNvPr id="2" name="TextBox 1"/>
+          <p:cNvSpPr txBox="1"/>
+          <p:nvPr/>
+        </p:nvSpPr>
+        <p:spPr>
+          <a:xfrm>
+            <a:off x="654424" y="340659"/>
+            <a:ext cx="3001334" cy="369332"/>
+          </a:xfrm>
+          <a:prstGeom prst="rect">
+            <a:avLst/>
+          </a:prstGeom>
+          <a:noFill/>
+        </p:spPr>
+        <p:txBody>
+          <a:bodyPr wrap="none" rtlCol="0">
+            <a:spAutoFit/>
+          </a:bodyPr>
+          <a:lstStyle/>
+          <a:p>
+            <a:r>
+              <a:rPr lang="en-US" dirty="0" smtClean="0">
+                <a:solidFill>
+                  <a:schemeClr val="accent1">
+                    <a:lumMod val="75000"/>
+                  </a:schemeClr>
+                </a:solidFill>
+              </a:rPr>
+              <a:t>Navigating the ROS Filesystem</a:t>
+            </a:r>
+            <a:endParaRPr lang="en-US" dirty="0">
+              <a:solidFill>
+                <a:schemeClr val="accent1">
+                  <a:lumMod val="75000"/>
+                </a:schemeClr>
+              </a:solidFill>
+            </a:endParaRPr>
+          </a:p>
+        </p:txBody>
+      </p:sp>
+      <p:sp>
+        <p:nvSpPr>
+          <p:cNvPr id="3" name="TextBox 2"/>
+          <p:cNvSpPr txBox="1"/>
+          <p:nvPr/>
+        </p:nvSpPr>
+        <p:spPr>
+          <a:xfrm>
+            <a:off x="779929" y="1048871"/>
+            <a:ext cx="6774611" cy="369332"/>
+          </a:xfrm>
+          <a:prstGeom prst="rect">
+            <a:avLst/>
+          </a:prstGeom>
+          <a:noFill/>
+        </p:spPr>
+        <p:txBody>
+          <a:bodyPr wrap="none" rtlCol="0">
+            <a:spAutoFit/>
+          </a:bodyPr>
+          <a:lstStyle/>
+          <a:p>
+            <a:r>
+              <a:rPr lang="en-US" dirty="0" smtClean="0"/>
+              <a:t>For this we will inspect a package in ros-tutorials, please install it using</a:t>
+            </a:r>
+          </a:p>
+        </p:txBody>
+      </p:sp>
+      <p:sp>
+        <p:nvSpPr>
+          <p:cNvPr id="4" name="TextBox 3"/>
+          <p:cNvSpPr txBox="1"/>
+          <p:nvPr/>
+        </p:nvSpPr>
+        <p:spPr>
+          <a:xfrm>
+            <a:off x="779929" y="1418203"/>
+            <a:ext cx="4346062" cy="369332"/>
+          </a:xfrm>
+          <a:prstGeom prst="rect">
+            <a:avLst/>
+          </a:prstGeom>
+          <a:noFill/>
+          <a:ln>
+            <a:solidFill>
+              <a:srgbClr val="7030A0"/>
+            </a:solidFill>
+          </a:ln>
+        </p:spPr>
+        <p:txBody>
+          <a:bodyPr wrap="none" rtlCol="0">
+            <a:spAutoFit/>
+          </a:bodyPr>
+          <a:lstStyle/>
+          <a:p>
+            <a:r>
+              <a:rPr lang="en-US" dirty="0">
+                <a:solidFill>
+                  <a:schemeClr val="accent1">
+                    <a:lumMod val="75000"/>
+                  </a:schemeClr>
+                </a:solidFill>
+              </a:rPr>
+              <a:t>$ sudo apt-get install </a:t>
+            </a:r>
+            <a:r>
+              <a:rPr lang="en-US" dirty="0" smtClean="0">
+                <a:solidFill>
+                  <a:schemeClr val="accent1">
+                    <a:lumMod val="75000"/>
+                  </a:schemeClr>
+                </a:solidFill>
+              </a:rPr>
+              <a:t>ros-indigo-ros-tutorials</a:t>
+            </a:r>
+            <a:endParaRPr lang="en-US" dirty="0">
+              <a:solidFill>
+                <a:schemeClr val="accent1">
+                  <a:lumMod val="75000"/>
+                </a:schemeClr>
+              </a:solidFill>
+            </a:endParaRPr>
+          </a:p>
+        </p:txBody>
+      </p:sp>
+      <p:sp>
+        <p:nvSpPr>
+          <p:cNvPr id="5" name="TextBox 4"/>
+          <p:cNvSpPr txBox="1"/>
+          <p:nvPr/>
+        </p:nvSpPr>
+        <p:spPr>
+          <a:xfrm>
+            <a:off x="622137" y="2483223"/>
+            <a:ext cx="10266762" cy="1754326"/>
+          </a:xfrm>
+          <a:prstGeom prst="rect">
+            <a:avLst/>
+          </a:prstGeom>
+          <a:noFill/>
+        </p:spPr>
+        <p:txBody>
+          <a:bodyPr wrap="square" rtlCol="0">
+            <a:spAutoFit/>
+          </a:bodyPr>
+          <a:lstStyle/>
+          <a:p>
+            <a:pPr algn="just"/>
+            <a:r>
+              <a:rPr lang="en-US" dirty="0">
+                <a:solidFill>
+                  <a:schemeClr val="accent1">
+                    <a:lumMod val="75000"/>
+                  </a:schemeClr>
+                </a:solidFill>
+              </a:rPr>
+              <a:t>Quick Overview of Filesystem </a:t>
+            </a:r>
+            <a:r>
+              <a:rPr lang="en-US" dirty="0" smtClean="0">
+                <a:solidFill>
+                  <a:schemeClr val="accent1">
+                    <a:lumMod val="75000"/>
+                  </a:schemeClr>
+                </a:solidFill>
+              </a:rPr>
+              <a:t>Concepts</a:t>
+            </a:r>
+            <a:r>
+              <a:rPr lang="en-US" dirty="0" smtClean="0"/>
+              <a:t>:</a:t>
+            </a:r>
+          </a:p>
+          <a:p>
+            <a:pPr algn="just"/>
+            <a:r>
+              <a:rPr lang="en-US" b="1" dirty="0"/>
+              <a:t>Packages:</a:t>
+            </a:r>
+            <a:r>
+              <a:rPr lang="en-US" dirty="0"/>
+              <a:t> Packages are the software organization unit of ROS code. Each package can contain libraries, executables, scripts, or other artifacts. </a:t>
+            </a:r>
+          </a:p>
+          <a:p>
+            <a:pPr algn="just"/>
+            <a:r>
+              <a:rPr lang="en-US" b="1" dirty="0"/>
+              <a:t>Manifests (</a:t>
+            </a:r>
+            <a:r>
+              <a:rPr lang="en-US" b="1" dirty="0">
+                <a:hlinkClick r:id="rId2"/>
+              </a:rPr>
+              <a:t>package.xml</a:t>
+            </a:r>
+            <a:r>
+              <a:rPr lang="en-US" b="1" dirty="0"/>
+              <a:t>):</a:t>
+            </a:r>
+            <a:r>
+              <a:rPr lang="en-US" dirty="0"/>
+              <a:t> A manifest is a description of a </a:t>
+            </a:r>
+            <a:r>
+              <a:rPr lang="en-US" i="1" dirty="0"/>
+              <a:t>package</a:t>
+            </a:r>
+            <a:r>
+              <a:rPr lang="en-US" dirty="0"/>
+              <a:t>. It serves to define dependencies between </a:t>
+            </a:r>
+            <a:r>
+              <a:rPr lang="en-US" i="1" dirty="0"/>
+              <a:t>packages</a:t>
+            </a:r>
+            <a:r>
+              <a:rPr lang="en-US" dirty="0"/>
+              <a:t> and to capture meta information about the </a:t>
+            </a:r>
+            <a:r>
+              <a:rPr lang="en-US" i="1" dirty="0"/>
+              <a:t>package</a:t>
+            </a:r>
+            <a:r>
+              <a:rPr lang="en-US" dirty="0"/>
+              <a:t> like version, maintainer, license, etc... </a:t>
+            </a:r>
+          </a:p>
+        </p:txBody>
+      </p:sp>
+    </p:spTree>
+    <p:extLst>
+      <p:ext uri="{BB962C8B-B14F-4D97-AF65-F5344CB8AC3E}">
+        <p14:creationId xmlns:p14="http://schemas.microsoft.com/office/powerpoint/2010/main" val="701826755"/>
+      </p:ext>
+    </p:extLst>
+  </p:cSld>
+  <p:clrMapOvr>
+    <a:masterClrMapping/>
+  </p:clrMapOvr>
+</p:sld>
+</file>
+
+<file path=ppt/slides/slide13.xml><?xml version="1.0" encoding="utf-8"?>
+<p:sld xmlns:a="http://schemas.openxmlformats.org/drawingml/2006/main" xmlns:r="http://schemas.openxmlformats.org/officeDocument/2006/relationships" xmlns:p="http://schemas.openxmlformats.org/presentationml/2006/main">
+  <p:cSld>
+    <p:spTree>
+      <p:nvGrpSpPr>
+        <p:cNvPr id="1" name=""/>
+        <p:cNvGrpSpPr/>
+        <p:nvPr/>
+      </p:nvGrpSpPr>
+      <p:grpSpPr>
+        <a:xfrm>
+          <a:off x="0" y="0"/>
+          <a:ext cx="0" cy="0"/>
+          <a:chOff x="0" y="0"/>
+          <a:chExt cx="0" cy="0"/>
+        </a:xfrm>
+      </p:grpSpPr>
+      <p:sp>
+        <p:nvSpPr>
+          <p:cNvPr id="2" name="TextBox 1"/>
+          <p:cNvSpPr txBox="1"/>
+          <p:nvPr/>
+        </p:nvSpPr>
+        <p:spPr>
+          <a:xfrm>
+            <a:off x="609599" y="788870"/>
+            <a:ext cx="2303929" cy="369332"/>
+          </a:xfrm>
+          <a:prstGeom prst="rect">
+            <a:avLst/>
+          </a:prstGeom>
+          <a:noFill/>
+        </p:spPr>
+        <p:txBody>
+          <a:bodyPr wrap="square" rtlCol="0">
+            <a:spAutoFit/>
+          </a:bodyPr>
+          <a:lstStyle/>
+          <a:p>
+            <a:r>
+              <a:rPr lang="en-US" dirty="0">
+                <a:solidFill>
+                  <a:schemeClr val="accent1">
+                    <a:lumMod val="75000"/>
+                  </a:schemeClr>
+                </a:solidFill>
+              </a:rPr>
+              <a:t>Filesystem </a:t>
+            </a:r>
+            <a:r>
+              <a:rPr lang="en-US" dirty="0" smtClean="0">
+                <a:solidFill>
+                  <a:schemeClr val="accent1">
+                    <a:lumMod val="75000"/>
+                  </a:schemeClr>
+                </a:solidFill>
+              </a:rPr>
+              <a:t>Tools</a:t>
+            </a:r>
+          </a:p>
+        </p:txBody>
+      </p:sp>
+      <p:sp>
+        <p:nvSpPr>
+          <p:cNvPr id="7" name="Rectangle 3"/>
+          <p:cNvSpPr>
+            <a:spLocks noChangeArrowheads="1"/>
+          </p:cNvSpPr>
+          <p:nvPr/>
+        </p:nvSpPr>
+        <p:spPr bwMode="auto">
+          <a:xfrm rot="10800000" flipV="1">
+            <a:off x="519951" y="1196799"/>
+            <a:ext cx="10560424" cy="646331"/>
+          </a:xfrm>
+          <a:prstGeom prst="rect">
+            <a:avLst/>
+          </a:prstGeom>
+          <a:noFill/>
+          <a:ln>
+            <a:noFill/>
+          </a:ln>
+          <a:effectLst/>
+          <a:extLst>
+            <a:ext uri="{909E8E84-426E-40DD-AFC4-6F175D3DCCD1}">
+              <a14:hiddenFill xmlns:a14="http://schemas.microsoft.com/office/drawing/2010/main">
+                <a:solidFill>
+                  <a:schemeClr val="accent1"/>
+                </a:solidFill>
+              </a14:hiddenFill>
+            </a:ext>
+            <a:ext uri="{91240B29-F687-4F45-9708-019B960494DF}">
+              <a14:hiddenLine xmlns:a14="http://schemas.microsoft.com/office/drawing/2010/main" w="9525">
+                <a:solidFill>
+                  <a:schemeClr val="tx1"/>
+                </a:solidFill>
+                <a:miter lim="800000"/>
+                <a:headEnd/>
+                <a:tailEnd/>
+              </a14:hiddenLine>
+            </a:ext>
+            <a:ext uri="{AF507438-7753-43E0-B8FC-AC1667EBCBE1}">
+              <a14:hiddenEffects xmlns:a14="http://schemas.microsoft.com/office/drawing/2010/main">
+                <a:effectLst>
+                  <a:outerShdw dist="35921" dir="2700000" algn="ctr" rotWithShape="0">
+                    <a:schemeClr val="bg2"/>
+                  </a:outerShdw>
+                </a:effectLst>
+              </a14:hiddenEffects>
+            </a:ext>
+          </a:extLst>
+        </p:spPr>
+        <p:txBody>
+          <a:bodyPr vert="horz" wrap="square" lIns="91440" tIns="45720" rIns="91440" bIns="45720" numCol="1" anchor="ctr" anchorCtr="0" compatLnSpc="1">
+            <a:prstTxWarp prst="textNoShape">
+              <a:avLst/>
+            </a:prstTxWarp>
+            <a:spAutoFit/>
+          </a:bodyPr>
+          <a:lstStyle/>
+          <a:p>
+            <a:pPr marL="0" marR="0" lvl="0" indent="0" algn="l" defTabSz="914400" rtl="0" eaLnBrk="0" fontAlgn="base" latinLnBrk="0" hangingPunct="0">
+              <a:lnSpc>
+                <a:spcPct val="100000"/>
+              </a:lnSpc>
+              <a:spcBef>
+                <a:spcPct val="0"/>
+              </a:spcBef>
+              <a:spcAft>
+                <a:spcPct val="0"/>
+              </a:spcAft>
+              <a:buClrTx/>
+              <a:buSzTx/>
+              <a:buFontTx/>
+              <a:buNone/>
+              <a:tabLst/>
+            </a:pPr>
+            <a:r>
+              <a:rPr kumimoji="0" lang="en-US" altLang="en-US" b="0" i="0" u="none" strike="noStrike" cap="none" normalizeH="0" baseline="0" dirty="0" smtClean="0">
+                <a:ln>
+                  <a:noFill/>
+                </a:ln>
+                <a:solidFill>
+                  <a:schemeClr val="tx1"/>
+                </a:solidFill>
+                <a:effectLst/>
+              </a:rPr>
+              <a:t>Code is spread across many ROS packages. Navigating with command-line tools such as </a:t>
+            </a:r>
+            <a:r>
+              <a:rPr kumimoji="0" lang="en-US" altLang="en-US" b="0" i="0" u="none" strike="noStrike" cap="none" normalizeH="0" baseline="0" dirty="0" smtClean="0">
+                <a:ln>
+                  <a:noFill/>
+                </a:ln>
+                <a:solidFill>
+                  <a:schemeClr val="accent1">
+                    <a:lumMod val="75000"/>
+                  </a:schemeClr>
+                </a:solidFill>
+                <a:effectLst/>
+              </a:rPr>
+              <a:t>ls</a:t>
+            </a:r>
+            <a:r>
+              <a:rPr kumimoji="0" lang="en-US" altLang="en-US" b="0" i="0" u="none" strike="noStrike" cap="none" normalizeH="0" baseline="0" dirty="0" smtClean="0">
+                <a:ln>
+                  <a:noFill/>
+                </a:ln>
+                <a:solidFill>
+                  <a:schemeClr val="tx1"/>
+                </a:solidFill>
+                <a:effectLst/>
+              </a:rPr>
+              <a:t> and </a:t>
+            </a:r>
+            <a:r>
+              <a:rPr kumimoji="0" lang="en-US" altLang="en-US" b="0" i="0" u="none" strike="noStrike" cap="none" normalizeH="0" baseline="0" dirty="0" smtClean="0">
+                <a:ln>
+                  <a:noFill/>
+                </a:ln>
+                <a:solidFill>
+                  <a:schemeClr val="accent1">
+                    <a:lumMod val="75000"/>
+                  </a:schemeClr>
+                </a:solidFill>
+                <a:effectLst/>
+              </a:rPr>
+              <a:t>cd</a:t>
+            </a:r>
+            <a:r>
+              <a:rPr kumimoji="0" lang="en-US" altLang="en-US" b="0" i="0" u="none" strike="noStrike" cap="none" normalizeH="0" baseline="0" dirty="0" smtClean="0">
+                <a:ln>
+                  <a:noFill/>
+                </a:ln>
+                <a:solidFill>
+                  <a:schemeClr val="tx1"/>
+                </a:solidFill>
+                <a:effectLst/>
+              </a:rPr>
+              <a:t> can be very tedious which is why ROS provides tools to help you. </a:t>
+            </a:r>
+          </a:p>
+        </p:txBody>
+      </p:sp>
+      <p:sp>
+        <p:nvSpPr>
+          <p:cNvPr id="8" name="TextBox 7"/>
+          <p:cNvSpPr txBox="1"/>
+          <p:nvPr/>
+        </p:nvSpPr>
+        <p:spPr>
+          <a:xfrm>
+            <a:off x="576032" y="1801343"/>
+            <a:ext cx="969304" cy="369332"/>
+          </a:xfrm>
+          <a:prstGeom prst="rect">
+            <a:avLst/>
+          </a:prstGeom>
+          <a:noFill/>
+        </p:spPr>
+        <p:txBody>
+          <a:bodyPr wrap="none" rtlCol="0">
+            <a:spAutoFit/>
+          </a:bodyPr>
+          <a:lstStyle/>
+          <a:p>
+            <a:r>
+              <a:rPr lang="en-US" dirty="0" smtClean="0">
+                <a:solidFill>
+                  <a:schemeClr val="accent1">
+                    <a:lumMod val="75000"/>
+                  </a:schemeClr>
+                </a:solidFill>
+              </a:rPr>
+              <a:t>Rospack</a:t>
+            </a:r>
+          </a:p>
+        </p:txBody>
+      </p:sp>
+      <p:sp>
+        <p:nvSpPr>
+          <p:cNvPr id="11" name="Rectangle 5"/>
+          <p:cNvSpPr>
+            <a:spLocks noChangeArrowheads="1"/>
+          </p:cNvSpPr>
+          <p:nvPr/>
+        </p:nvSpPr>
+        <p:spPr bwMode="auto">
+          <a:xfrm rot="10800000" flipV="1">
+            <a:off x="576032" y="2170675"/>
+            <a:ext cx="10954872" cy="646331"/>
+          </a:xfrm>
+          <a:prstGeom prst="rect">
+            <a:avLst/>
+          </a:prstGeom>
+          <a:noFill/>
+          <a:ln>
+            <a:noFill/>
+          </a:ln>
+          <a:effectLst/>
+          <a:extLst>
+            <a:ext uri="{909E8E84-426E-40DD-AFC4-6F175D3DCCD1}">
+              <a14:hiddenFill xmlns:a14="http://schemas.microsoft.com/office/drawing/2010/main">
+                <a:solidFill>
+                  <a:schemeClr val="accent1"/>
+                </a:solidFill>
+              </a14:hiddenFill>
+            </a:ext>
+            <a:ext uri="{91240B29-F687-4F45-9708-019B960494DF}">
+              <a14:hiddenLine xmlns:a14="http://schemas.microsoft.com/office/drawing/2010/main" w="9525">
+                <a:solidFill>
+                  <a:schemeClr val="tx1"/>
+                </a:solidFill>
+                <a:miter lim="800000"/>
+                <a:headEnd/>
+                <a:tailEnd/>
+              </a14:hiddenLine>
+            </a:ext>
+            <a:ext uri="{AF507438-7753-43E0-B8FC-AC1667EBCBE1}">
+              <a14:hiddenEffects xmlns:a14="http://schemas.microsoft.com/office/drawing/2010/main">
+                <a:effectLst>
+                  <a:outerShdw dist="35921" dir="2700000" algn="ctr" rotWithShape="0">
+                    <a:schemeClr val="bg2"/>
+                  </a:outerShdw>
+                </a:effectLst>
+              </a14:hiddenEffects>
+            </a:ext>
+          </a:extLst>
+        </p:spPr>
+        <p:txBody>
+          <a:bodyPr vert="horz" wrap="square" lIns="91440" tIns="45720" rIns="91440" bIns="45720" numCol="1" anchor="ctr" anchorCtr="0" compatLnSpc="1">
+            <a:prstTxWarp prst="textNoShape">
+              <a:avLst/>
+            </a:prstTxWarp>
+            <a:spAutoFit/>
+          </a:bodyPr>
+          <a:lstStyle/>
+          <a:p>
+            <a:pPr marL="0" marR="0" lvl="0" indent="0" algn="l" defTabSz="914400" rtl="0" eaLnBrk="0" fontAlgn="base" latinLnBrk="0" hangingPunct="0">
+              <a:lnSpc>
+                <a:spcPct val="100000"/>
+              </a:lnSpc>
+              <a:spcBef>
+                <a:spcPct val="0"/>
+              </a:spcBef>
+              <a:spcAft>
+                <a:spcPct val="0"/>
+              </a:spcAft>
+              <a:buClrTx/>
+              <a:buSzTx/>
+              <a:buFontTx/>
+              <a:buNone/>
+              <a:tabLst/>
+            </a:pPr>
+            <a:r>
+              <a:rPr kumimoji="0" lang="en-US" altLang="en-US" b="0" i="0" u="none" strike="noStrike" cap="none" normalizeH="0" baseline="0" dirty="0" smtClean="0">
+                <a:ln>
+                  <a:noFill/>
+                </a:ln>
+                <a:solidFill>
+                  <a:schemeClr val="tx1"/>
+                </a:solidFill>
+                <a:effectLst/>
+                <a:hlinkClick r:id="rId2"/>
+              </a:rPr>
+              <a:t>rospack</a:t>
+            </a:r>
+            <a:r>
+              <a:rPr kumimoji="0" lang="en-US" altLang="en-US" b="0" i="0" u="none" strike="noStrike" cap="none" normalizeH="0" baseline="0" dirty="0" smtClean="0">
+                <a:ln>
+                  <a:noFill/>
+                </a:ln>
+                <a:solidFill>
+                  <a:schemeClr val="tx1"/>
+                </a:solidFill>
+                <a:effectLst/>
+              </a:rPr>
+              <a:t> allows you to get information about packages. In this tutorial, we are only going to cover the </a:t>
+            </a:r>
+            <a:r>
+              <a:rPr kumimoji="0" lang="en-US" altLang="en-US" b="0" i="0" u="none" strike="noStrike" cap="none" normalizeH="0" baseline="0" dirty="0" smtClean="0">
+                <a:ln>
+                  <a:noFill/>
+                </a:ln>
+                <a:solidFill>
+                  <a:schemeClr val="accent1">
+                    <a:lumMod val="75000"/>
+                  </a:schemeClr>
+                </a:solidFill>
+                <a:effectLst/>
+              </a:rPr>
+              <a:t>find</a:t>
+            </a:r>
+            <a:r>
+              <a:rPr kumimoji="0" lang="en-US" altLang="en-US" b="0" i="0" u="none" strike="noStrike" cap="none" normalizeH="0" baseline="0" dirty="0" smtClean="0">
+                <a:ln>
+                  <a:noFill/>
+                </a:ln>
+                <a:solidFill>
+                  <a:schemeClr val="tx1"/>
+                </a:solidFill>
+                <a:effectLst/>
+              </a:rPr>
+              <a:t> option, which returns the path to package. </a:t>
+            </a:r>
+          </a:p>
+        </p:txBody>
+      </p:sp>
+      <p:sp>
+        <p:nvSpPr>
+          <p:cNvPr id="12" name="TextBox 11"/>
+          <p:cNvSpPr txBox="1"/>
+          <p:nvPr/>
+        </p:nvSpPr>
+        <p:spPr>
+          <a:xfrm>
+            <a:off x="519951" y="3352766"/>
+            <a:ext cx="817531" cy="369332"/>
+          </a:xfrm>
+          <a:prstGeom prst="rect">
+            <a:avLst/>
+          </a:prstGeom>
+          <a:noFill/>
+        </p:spPr>
+        <p:txBody>
+          <a:bodyPr wrap="none" rtlCol="0">
+            <a:spAutoFit/>
+          </a:bodyPr>
+          <a:lstStyle/>
+          <a:p>
+            <a:r>
+              <a:rPr lang="en-US" dirty="0" smtClean="0"/>
+              <a:t>Usage:</a:t>
+            </a:r>
+            <a:endParaRPr lang="en-US" dirty="0"/>
+          </a:p>
+        </p:txBody>
+      </p:sp>
+      <p:sp>
+        <p:nvSpPr>
+          <p:cNvPr id="13" name="TextBox 12"/>
+          <p:cNvSpPr txBox="1"/>
+          <p:nvPr/>
+        </p:nvSpPr>
+        <p:spPr>
+          <a:xfrm>
+            <a:off x="2813449" y="3726879"/>
+            <a:ext cx="2986715" cy="369332"/>
+          </a:xfrm>
+          <a:prstGeom prst="rect">
+            <a:avLst/>
+          </a:prstGeom>
+          <a:noFill/>
+          <a:ln>
+            <a:solidFill>
+              <a:srgbClr val="7030A0"/>
+            </a:solidFill>
+          </a:ln>
+        </p:spPr>
+        <p:txBody>
+          <a:bodyPr wrap="none" rtlCol="0">
+            <a:spAutoFit/>
+          </a:bodyPr>
+          <a:lstStyle/>
+          <a:p>
+            <a:r>
+              <a:rPr lang="en-US" dirty="0" smtClean="0">
+                <a:solidFill>
+                  <a:schemeClr val="accent1">
+                    <a:lumMod val="75000"/>
+                  </a:schemeClr>
+                </a:solidFill>
+              </a:rPr>
+              <a:t>$ rospack find [packagename]</a:t>
+            </a:r>
+            <a:endParaRPr lang="en-US" dirty="0">
+              <a:solidFill>
+                <a:schemeClr val="accent1">
+                  <a:lumMod val="75000"/>
+                </a:schemeClr>
+              </a:solidFill>
+            </a:endParaRPr>
+          </a:p>
+        </p:txBody>
+      </p:sp>
+      <p:sp>
+        <p:nvSpPr>
+          <p:cNvPr id="14" name="TextBox 13"/>
+          <p:cNvSpPr txBox="1"/>
+          <p:nvPr/>
+        </p:nvSpPr>
+        <p:spPr>
+          <a:xfrm>
+            <a:off x="2813449" y="4427384"/>
+            <a:ext cx="2126480" cy="369332"/>
+          </a:xfrm>
+          <a:prstGeom prst="rect">
+            <a:avLst/>
+          </a:prstGeom>
+          <a:noFill/>
+          <a:ln>
+            <a:solidFill>
+              <a:srgbClr val="7030A0"/>
+            </a:solidFill>
+          </a:ln>
+        </p:spPr>
+        <p:txBody>
+          <a:bodyPr wrap="none" rtlCol="0">
+            <a:spAutoFit/>
+          </a:bodyPr>
+          <a:lstStyle/>
+          <a:p>
+            <a:r>
+              <a:rPr lang="en-US" dirty="0" smtClean="0">
+                <a:solidFill>
+                  <a:schemeClr val="accent1">
+                    <a:lumMod val="75000"/>
+                  </a:schemeClr>
+                </a:solidFill>
+              </a:rPr>
+              <a:t>$rospack find roscpp</a:t>
+            </a:r>
+            <a:endParaRPr lang="en-US" dirty="0">
+              <a:solidFill>
+                <a:schemeClr val="accent1">
+                  <a:lumMod val="75000"/>
+                </a:schemeClr>
+              </a:solidFill>
+            </a:endParaRPr>
+          </a:p>
+        </p:txBody>
+      </p:sp>
+      <p:sp>
+        <p:nvSpPr>
+          <p:cNvPr id="15" name="TextBox 14"/>
+          <p:cNvSpPr txBox="1"/>
+          <p:nvPr/>
+        </p:nvSpPr>
+        <p:spPr>
+          <a:xfrm>
+            <a:off x="519951" y="4049642"/>
+            <a:ext cx="1039708" cy="369332"/>
+          </a:xfrm>
+          <a:prstGeom prst="rect">
+            <a:avLst/>
+          </a:prstGeom>
+          <a:noFill/>
+        </p:spPr>
+        <p:txBody>
+          <a:bodyPr wrap="none" rtlCol="0">
+            <a:spAutoFit/>
+          </a:bodyPr>
+          <a:lstStyle/>
+          <a:p>
+            <a:r>
+              <a:rPr lang="en-US" dirty="0" smtClean="0"/>
+              <a:t>Example:</a:t>
+            </a:r>
+            <a:endParaRPr lang="en-US" dirty="0"/>
+          </a:p>
+        </p:txBody>
+      </p:sp>
+      <p:sp>
+        <p:nvSpPr>
+          <p:cNvPr id="16" name="TextBox 15"/>
+          <p:cNvSpPr txBox="1"/>
+          <p:nvPr/>
+        </p:nvSpPr>
+        <p:spPr>
+          <a:xfrm>
+            <a:off x="609599" y="4788306"/>
+            <a:ext cx="1506053" cy="369332"/>
+          </a:xfrm>
+          <a:prstGeom prst="rect">
+            <a:avLst/>
+          </a:prstGeom>
+          <a:noFill/>
+        </p:spPr>
+        <p:txBody>
+          <a:bodyPr wrap="none" rtlCol="0">
+            <a:spAutoFit/>
+          </a:bodyPr>
+          <a:lstStyle/>
+          <a:p>
+            <a:r>
+              <a:rPr lang="en-US" dirty="0" smtClean="0"/>
+              <a:t>Would return:</a:t>
+            </a:r>
+            <a:endParaRPr lang="en-US" dirty="0"/>
+          </a:p>
+        </p:txBody>
+      </p:sp>
+      <p:sp>
+        <p:nvSpPr>
+          <p:cNvPr id="17" name="TextBox 16"/>
+          <p:cNvSpPr txBox="1"/>
+          <p:nvPr/>
+        </p:nvSpPr>
+        <p:spPr>
+          <a:xfrm>
+            <a:off x="2813449" y="5080443"/>
+            <a:ext cx="3134191" cy="369332"/>
+          </a:xfrm>
+          <a:prstGeom prst="rect">
+            <a:avLst/>
+          </a:prstGeom>
+          <a:noFill/>
+          <a:ln>
+            <a:solidFill>
+              <a:srgbClr val="7030A0"/>
+            </a:solidFill>
+          </a:ln>
+        </p:spPr>
+        <p:txBody>
+          <a:bodyPr wrap="none" rtlCol="0">
+            <a:spAutoFit/>
+          </a:bodyPr>
+          <a:lstStyle/>
+          <a:p>
+            <a:r>
+              <a:rPr lang="en-US" dirty="0" smtClean="0">
+                <a:solidFill>
+                  <a:schemeClr val="accent1">
+                    <a:lumMod val="75000"/>
+                  </a:schemeClr>
+                </a:solidFill>
+              </a:rPr>
+              <a:t>YOUR_Install_path/share/rospy</a:t>
+            </a:r>
+            <a:endParaRPr lang="en-US" dirty="0">
+              <a:solidFill>
+                <a:schemeClr val="accent1">
+                  <a:lumMod val="75000"/>
+                </a:schemeClr>
+              </a:solidFill>
+            </a:endParaRPr>
+          </a:p>
+        </p:txBody>
+      </p:sp>
+      <p:sp>
+        <p:nvSpPr>
+          <p:cNvPr id="19" name="TextBox 18"/>
+          <p:cNvSpPr txBox="1"/>
+          <p:nvPr/>
+        </p:nvSpPr>
+        <p:spPr>
+          <a:xfrm>
+            <a:off x="576032" y="5485182"/>
+            <a:ext cx="6568658" cy="369332"/>
+          </a:xfrm>
+          <a:prstGeom prst="rect">
+            <a:avLst/>
+          </a:prstGeom>
+          <a:noFill/>
+        </p:spPr>
+        <p:txBody>
+          <a:bodyPr wrap="none" rtlCol="0">
+            <a:spAutoFit/>
+          </a:bodyPr>
+          <a:lstStyle/>
+          <a:p>
+            <a:r>
+              <a:rPr lang="en-IN" dirty="0" smtClean="0"/>
+              <a:t>If you installed ROS from apt on Ubuntu Linux you would see exactly:</a:t>
+            </a:r>
+            <a:endParaRPr lang="en-US" dirty="0"/>
+          </a:p>
+        </p:txBody>
+      </p:sp>
+      <p:sp>
+        <p:nvSpPr>
+          <p:cNvPr id="21" name="TextBox 20"/>
+          <p:cNvSpPr txBox="1"/>
+          <p:nvPr/>
+        </p:nvSpPr>
+        <p:spPr>
+          <a:xfrm>
+            <a:off x="2813449" y="5889921"/>
+            <a:ext cx="2839047" cy="369332"/>
+          </a:xfrm>
+          <a:prstGeom prst="rect">
+            <a:avLst/>
+          </a:prstGeom>
+          <a:noFill/>
+          <a:ln>
+            <a:solidFill>
+              <a:srgbClr val="7030A0"/>
+            </a:solidFill>
+          </a:ln>
+        </p:spPr>
+        <p:txBody>
+          <a:bodyPr wrap="none" rtlCol="0">
+            <a:spAutoFit/>
+          </a:bodyPr>
+          <a:lstStyle/>
+          <a:p>
+            <a:r>
+              <a:rPr lang="en-IN" dirty="0" smtClean="0">
+                <a:solidFill>
+                  <a:schemeClr val="accent1">
+                    <a:lumMod val="75000"/>
+                  </a:schemeClr>
+                </a:solidFill>
+              </a:rPr>
+              <a:t>/opt/ros/indigo/share/rospy</a:t>
+            </a:r>
+            <a:endParaRPr lang="en-US" dirty="0">
+              <a:solidFill>
+                <a:schemeClr val="accent1">
+                  <a:lumMod val="75000"/>
+                </a:schemeClr>
+              </a:solidFill>
+            </a:endParaRPr>
+          </a:p>
+        </p:txBody>
+      </p:sp>
+    </p:spTree>
+    <p:extLst>
+      <p:ext uri="{BB962C8B-B14F-4D97-AF65-F5344CB8AC3E}">
+        <p14:creationId xmlns:p14="http://schemas.microsoft.com/office/powerpoint/2010/main" val="4071273188"/>
+      </p:ext>
+    </p:extLst>
+  </p:cSld>
+  <p:clrMapOvr>
+    <a:masterClrMapping/>
+  </p:clrMapOvr>
+  <p:timing>
+    <p:tnLst>
+      <p:par>
+        <p:cTn id="1" dur="indefinite" restart="never" nodeType="tmRoot"/>
+      </p:par>
+    </p:tnLst>
+  </p:timing>
+</p:sld>
+</file>
+
+<file path=ppt/slides/slide14.xml><?xml version="1.0" encoding="utf-8"?>
+<p:sld xmlns:a="http://schemas.openxmlformats.org/drawingml/2006/main" xmlns:r="http://schemas.openxmlformats.org/officeDocument/2006/relationships" xmlns:p="http://schemas.openxmlformats.org/presentationml/2006/main">
+  <p:cSld>
+    <p:spTree>
+      <p:nvGrpSpPr>
+        <p:cNvPr id="1" name=""/>
+        <p:cNvGrpSpPr/>
+        <p:nvPr/>
+      </p:nvGrpSpPr>
+      <p:grpSpPr>
+        <a:xfrm>
+          <a:off x="0" y="0"/>
+          <a:ext cx="0" cy="0"/>
+          <a:chOff x="0" y="0"/>
+          <a:chExt cx="0" cy="0"/>
+        </a:xfrm>
+      </p:grpSpPr>
+      <p:sp>
+        <p:nvSpPr>
+          <p:cNvPr id="2" name="TextBox 1"/>
+          <p:cNvSpPr txBox="1"/>
+          <p:nvPr/>
+        </p:nvSpPr>
+        <p:spPr>
+          <a:xfrm>
+            <a:off x="544825" y="342438"/>
+            <a:ext cx="692305" cy="369332"/>
+          </a:xfrm>
+          <a:prstGeom prst="rect">
+            <a:avLst/>
+          </a:prstGeom>
+          <a:noFill/>
+        </p:spPr>
+        <p:txBody>
+          <a:bodyPr wrap="none" rtlCol="0">
+            <a:spAutoFit/>
+          </a:bodyPr>
+          <a:lstStyle/>
+          <a:p>
+            <a:r>
+              <a:rPr lang="en-IN" dirty="0" smtClean="0">
+                <a:solidFill>
+                  <a:schemeClr val="accent1">
+                    <a:lumMod val="75000"/>
+                  </a:schemeClr>
+                </a:solidFill>
+              </a:rPr>
+              <a:t>roscd</a:t>
+            </a:r>
+            <a:endParaRPr lang="en-US" dirty="0">
+              <a:solidFill>
+                <a:schemeClr val="accent1">
+                  <a:lumMod val="75000"/>
+                </a:schemeClr>
+              </a:solidFill>
+            </a:endParaRPr>
+          </a:p>
+        </p:txBody>
+      </p:sp>
+      <p:sp>
+        <p:nvSpPr>
+          <p:cNvPr id="3" name="TextBox 2"/>
+          <p:cNvSpPr txBox="1"/>
+          <p:nvPr/>
+        </p:nvSpPr>
+        <p:spPr>
+          <a:xfrm>
+            <a:off x="544825" y="761529"/>
+            <a:ext cx="9687845" cy="369332"/>
+          </a:xfrm>
+          <a:prstGeom prst="rect">
+            <a:avLst/>
+          </a:prstGeom>
+          <a:noFill/>
+        </p:spPr>
+        <p:txBody>
+          <a:bodyPr wrap="none" rtlCol="0">
+            <a:spAutoFit/>
+          </a:bodyPr>
+          <a:lstStyle/>
+          <a:p>
+            <a:r>
+              <a:rPr lang="en-IN" dirty="0" smtClean="0"/>
+              <a:t>roscd is part of the </a:t>
+            </a:r>
+            <a:r>
+              <a:rPr lang="en-IN" dirty="0" smtClean="0">
+                <a:hlinkClick r:id="rId2"/>
+              </a:rPr>
+              <a:t>rosbash</a:t>
+            </a:r>
+            <a:r>
+              <a:rPr lang="en-IN" dirty="0" smtClean="0"/>
+              <a:t> suit. It allows you to change directory(</a:t>
+            </a:r>
+            <a:r>
+              <a:rPr lang="en-IN" dirty="0" smtClean="0">
+                <a:solidFill>
+                  <a:schemeClr val="accent1">
+                    <a:lumMod val="75000"/>
+                  </a:schemeClr>
+                </a:solidFill>
+              </a:rPr>
+              <a:t>cd</a:t>
+            </a:r>
+            <a:r>
+              <a:rPr lang="en-IN" dirty="0"/>
+              <a:t>*</a:t>
+            </a:r>
+            <a:r>
+              <a:rPr lang="en-IN" dirty="0" smtClean="0"/>
+              <a:t>) directly to a package or a stack.</a:t>
+            </a:r>
+            <a:endParaRPr lang="en-US" dirty="0"/>
+          </a:p>
+        </p:txBody>
+      </p:sp>
+      <p:sp>
+        <p:nvSpPr>
+          <p:cNvPr id="4" name="TextBox 3"/>
+          <p:cNvSpPr txBox="1"/>
+          <p:nvPr/>
+        </p:nvSpPr>
+        <p:spPr>
+          <a:xfrm>
+            <a:off x="544825" y="1132875"/>
+            <a:ext cx="791883" cy="369332"/>
+          </a:xfrm>
+          <a:prstGeom prst="rect">
+            <a:avLst/>
+          </a:prstGeom>
+          <a:noFill/>
+        </p:spPr>
+        <p:txBody>
+          <a:bodyPr wrap="none" rtlCol="0">
+            <a:spAutoFit/>
+          </a:bodyPr>
+          <a:lstStyle/>
+          <a:p>
+            <a:r>
+              <a:rPr lang="en-IN" dirty="0" smtClean="0"/>
+              <a:t>usage:</a:t>
+            </a:r>
+            <a:endParaRPr lang="en-US" dirty="0"/>
+          </a:p>
+        </p:txBody>
+      </p:sp>
+      <p:sp>
+        <p:nvSpPr>
+          <p:cNvPr id="5" name="TextBox 4"/>
+          <p:cNvSpPr txBox="1"/>
+          <p:nvPr/>
+        </p:nvSpPr>
+        <p:spPr>
+          <a:xfrm>
+            <a:off x="2629017" y="1502207"/>
+            <a:ext cx="3155672" cy="369332"/>
+          </a:xfrm>
+          <a:prstGeom prst="rect">
+            <a:avLst/>
+          </a:prstGeom>
+          <a:noFill/>
+          <a:ln>
+            <a:solidFill>
+              <a:srgbClr val="7030A0"/>
+            </a:solidFill>
+          </a:ln>
+        </p:spPr>
+        <p:txBody>
+          <a:bodyPr wrap="none" rtlCol="0">
+            <a:spAutoFit/>
+          </a:bodyPr>
+          <a:lstStyle/>
+          <a:p>
+            <a:r>
+              <a:rPr lang="en-IN" dirty="0" smtClean="0">
+                <a:solidFill>
+                  <a:schemeClr val="accent1">
+                    <a:lumMod val="75000"/>
+                  </a:schemeClr>
+                </a:solidFill>
+              </a:rPr>
+              <a:t>$ roscd [locationname[/subdir]]</a:t>
+            </a:r>
+            <a:endParaRPr lang="en-US" dirty="0">
+              <a:solidFill>
+                <a:schemeClr val="accent1">
+                  <a:lumMod val="75000"/>
+                </a:schemeClr>
+              </a:solidFill>
+            </a:endParaRPr>
+          </a:p>
+        </p:txBody>
+      </p:sp>
+      <p:sp>
+        <p:nvSpPr>
+          <p:cNvPr id="6" name="TextBox 5"/>
+          <p:cNvSpPr txBox="1"/>
+          <p:nvPr/>
+        </p:nvSpPr>
+        <p:spPr>
+          <a:xfrm>
+            <a:off x="544825" y="1871539"/>
+            <a:ext cx="1039452" cy="369332"/>
+          </a:xfrm>
+          <a:prstGeom prst="rect">
+            <a:avLst/>
+          </a:prstGeom>
+          <a:noFill/>
+        </p:spPr>
+        <p:txBody>
+          <a:bodyPr wrap="none" rtlCol="0">
+            <a:spAutoFit/>
+          </a:bodyPr>
+          <a:lstStyle/>
+          <a:p>
+            <a:r>
+              <a:rPr lang="en-IN" dirty="0" smtClean="0"/>
+              <a:t>Example:</a:t>
+            </a:r>
+            <a:endParaRPr lang="en-US" dirty="0"/>
+          </a:p>
+        </p:txBody>
+      </p:sp>
+      <p:sp>
+        <p:nvSpPr>
+          <p:cNvPr id="7" name="TextBox 6"/>
+          <p:cNvSpPr txBox="1"/>
+          <p:nvPr/>
+        </p:nvSpPr>
+        <p:spPr>
+          <a:xfrm>
+            <a:off x="2629017" y="2370510"/>
+            <a:ext cx="1428020" cy="646331"/>
+          </a:xfrm>
+          <a:prstGeom prst="rect">
+            <a:avLst/>
+          </a:prstGeom>
+          <a:noFill/>
+          <a:ln>
+            <a:solidFill>
+              <a:srgbClr val="7030A0"/>
+            </a:solidFill>
+          </a:ln>
+        </p:spPr>
+        <p:txBody>
+          <a:bodyPr wrap="none" rtlCol="0">
+            <a:spAutoFit/>
+          </a:bodyPr>
+          <a:lstStyle/>
+          <a:p>
+            <a:r>
+              <a:rPr lang="en-IN" dirty="0" smtClean="0">
+                <a:solidFill>
+                  <a:schemeClr val="accent1">
+                    <a:lumMod val="75000"/>
+                  </a:schemeClr>
+                </a:solidFill>
+              </a:rPr>
+              <a:t>$ roscd rospy</a:t>
+            </a:r>
+          </a:p>
+          <a:p>
+            <a:r>
+              <a:rPr lang="en-IN" dirty="0">
+                <a:solidFill>
+                  <a:schemeClr val="accent1">
+                    <a:lumMod val="75000"/>
+                  </a:schemeClr>
+                </a:solidFill>
+              </a:rPr>
+              <a:t>$ </a:t>
+            </a:r>
+            <a:r>
+              <a:rPr lang="en-IN" dirty="0" smtClean="0">
+                <a:solidFill>
+                  <a:schemeClr val="accent1">
+                    <a:lumMod val="75000"/>
+                  </a:schemeClr>
+                </a:solidFill>
+              </a:rPr>
+              <a:t>pwd</a:t>
+            </a:r>
+            <a:endParaRPr lang="en-US" dirty="0">
+              <a:solidFill>
+                <a:schemeClr val="accent1">
+                  <a:lumMod val="75000"/>
+                </a:schemeClr>
+              </a:solidFill>
+            </a:endParaRPr>
+          </a:p>
+        </p:txBody>
+      </p:sp>
+      <p:sp>
+        <p:nvSpPr>
+          <p:cNvPr id="9" name="TextBox 8"/>
+          <p:cNvSpPr txBox="1"/>
+          <p:nvPr/>
+        </p:nvSpPr>
+        <p:spPr>
+          <a:xfrm>
+            <a:off x="544825" y="3016841"/>
+            <a:ext cx="918841" cy="369332"/>
+          </a:xfrm>
+          <a:prstGeom prst="rect">
+            <a:avLst/>
+          </a:prstGeom>
+          <a:noFill/>
+        </p:spPr>
+        <p:txBody>
+          <a:bodyPr wrap="none" rtlCol="0">
+            <a:spAutoFit/>
+          </a:bodyPr>
+          <a:lstStyle/>
+          <a:p>
+            <a:r>
+              <a:rPr lang="en-IN" dirty="0" smtClean="0"/>
+              <a:t>Output:</a:t>
+            </a:r>
+            <a:endParaRPr lang="en-US" dirty="0"/>
+          </a:p>
+        </p:txBody>
+      </p:sp>
+      <p:sp>
+        <p:nvSpPr>
+          <p:cNvPr id="10" name="TextBox 9"/>
+          <p:cNvSpPr txBox="1"/>
+          <p:nvPr/>
+        </p:nvSpPr>
+        <p:spPr>
+          <a:xfrm>
+            <a:off x="2629017" y="3386173"/>
+            <a:ext cx="3354765" cy="369332"/>
+          </a:xfrm>
+          <a:prstGeom prst="rect">
+            <a:avLst/>
+          </a:prstGeom>
+          <a:noFill/>
+          <a:ln>
+            <a:solidFill>
+              <a:srgbClr val="7030A0"/>
+            </a:solidFill>
+          </a:ln>
+        </p:spPr>
+        <p:txBody>
+          <a:bodyPr wrap="none" rtlCol="0">
+            <a:spAutoFit/>
+          </a:bodyPr>
+          <a:lstStyle/>
+          <a:p>
+            <a:r>
+              <a:rPr lang="en-IN" dirty="0" smtClean="0">
+                <a:solidFill>
+                  <a:schemeClr val="accent1">
+                    <a:lumMod val="75000"/>
+                  </a:schemeClr>
+                </a:solidFill>
+              </a:rPr>
+              <a:t>YOUR_INSTALL_PATH/share/rospy</a:t>
+            </a:r>
+            <a:endParaRPr lang="en-US" dirty="0">
+              <a:solidFill>
+                <a:schemeClr val="accent1">
+                  <a:lumMod val="75000"/>
+                </a:schemeClr>
+              </a:solidFill>
+            </a:endParaRPr>
+          </a:p>
+        </p:txBody>
+      </p:sp>
+      <p:sp>
+        <p:nvSpPr>
+          <p:cNvPr id="11" name="TextBox 10"/>
+          <p:cNvSpPr txBox="1"/>
+          <p:nvPr/>
+        </p:nvSpPr>
+        <p:spPr>
+          <a:xfrm>
+            <a:off x="544825" y="3953435"/>
+            <a:ext cx="10320399" cy="646331"/>
+          </a:xfrm>
+          <a:prstGeom prst="rect">
+            <a:avLst/>
+          </a:prstGeom>
+          <a:noFill/>
+        </p:spPr>
+        <p:txBody>
+          <a:bodyPr wrap="square" rtlCol="0">
+            <a:spAutoFit/>
+          </a:bodyPr>
+          <a:lstStyle/>
+          <a:p>
+            <a:r>
+              <a:rPr lang="en-US" dirty="0"/>
+              <a:t>Note that </a:t>
+            </a:r>
+            <a:r>
+              <a:rPr lang="en-US" dirty="0">
+                <a:hlinkClick r:id="rId3"/>
+              </a:rPr>
+              <a:t>roscd</a:t>
+            </a:r>
+            <a:r>
+              <a:rPr lang="en-US" dirty="0"/>
+              <a:t>, like other ROS tools, will </a:t>
+            </a:r>
+            <a:r>
+              <a:rPr lang="en-US" i="1" dirty="0"/>
+              <a:t>only</a:t>
+            </a:r>
+            <a:r>
+              <a:rPr lang="en-US" dirty="0"/>
+              <a:t> find ROS packages that are within the directories listed in your </a:t>
+            </a:r>
+            <a:r>
+              <a:rPr lang="en-US" dirty="0">
+                <a:hlinkClick r:id="rId4"/>
+              </a:rPr>
+              <a:t>ROS_PACKAGE_PATH</a:t>
+            </a:r>
+            <a:r>
+              <a:rPr lang="en-US" dirty="0"/>
+              <a:t>. To see what is in your </a:t>
+            </a:r>
+            <a:r>
+              <a:rPr lang="en-US" dirty="0">
+                <a:hlinkClick r:id="rId4"/>
+              </a:rPr>
+              <a:t>ROS_PACKAGE_PATH</a:t>
+            </a:r>
+            <a:r>
+              <a:rPr lang="en-US" dirty="0"/>
+              <a:t>, type: </a:t>
+            </a:r>
+          </a:p>
+        </p:txBody>
+      </p:sp>
+      <p:sp>
+        <p:nvSpPr>
+          <p:cNvPr id="12" name="TextBox 11"/>
+          <p:cNvSpPr txBox="1"/>
+          <p:nvPr/>
+        </p:nvSpPr>
+        <p:spPr>
+          <a:xfrm>
+            <a:off x="2629017" y="4797696"/>
+            <a:ext cx="2879443" cy="369332"/>
+          </a:xfrm>
+          <a:prstGeom prst="rect">
+            <a:avLst/>
+          </a:prstGeom>
+          <a:noFill/>
+          <a:ln>
+            <a:solidFill>
+              <a:srgbClr val="7030A0"/>
+            </a:solidFill>
+          </a:ln>
+        </p:spPr>
+        <p:txBody>
+          <a:bodyPr wrap="none" rtlCol="0">
+            <a:spAutoFit/>
+          </a:bodyPr>
+          <a:lstStyle/>
+          <a:p>
+            <a:r>
+              <a:rPr lang="en-IN" dirty="0" smtClean="0">
+                <a:solidFill>
+                  <a:schemeClr val="accent1">
+                    <a:lumMod val="75000"/>
+                  </a:schemeClr>
+                </a:solidFill>
+              </a:rPr>
+              <a:t>$echo $ROS_PACKAGE_PATH</a:t>
+            </a:r>
+            <a:endParaRPr lang="en-US" dirty="0">
+              <a:solidFill>
+                <a:schemeClr val="accent1">
+                  <a:lumMod val="75000"/>
+                </a:schemeClr>
+              </a:solidFill>
+            </a:endParaRPr>
+          </a:p>
+        </p:txBody>
+      </p:sp>
+      <p:sp>
+        <p:nvSpPr>
+          <p:cNvPr id="13" name="TextBox 12"/>
+          <p:cNvSpPr txBox="1"/>
+          <p:nvPr/>
+        </p:nvSpPr>
+        <p:spPr>
+          <a:xfrm>
+            <a:off x="549815" y="5364958"/>
+            <a:ext cx="10320399" cy="646331"/>
+          </a:xfrm>
+          <a:prstGeom prst="rect">
+            <a:avLst/>
+          </a:prstGeom>
+          <a:noFill/>
+        </p:spPr>
+        <p:txBody>
+          <a:bodyPr wrap="square" rtlCol="0">
+            <a:spAutoFit/>
+          </a:bodyPr>
+          <a:lstStyle/>
+          <a:p>
+            <a:r>
+              <a:rPr lang="en-US" dirty="0"/>
+              <a:t>Your </a:t>
+            </a:r>
+            <a:r>
+              <a:rPr lang="en-US" dirty="0">
+                <a:hlinkClick r:id="rId4"/>
+              </a:rPr>
+              <a:t>ROS_PACKAGE_PATH</a:t>
+            </a:r>
+            <a:r>
+              <a:rPr lang="en-US" dirty="0"/>
+              <a:t> should contain a list of directories where you have ROS packages separated by colons. A typical </a:t>
+            </a:r>
+            <a:r>
+              <a:rPr lang="en-US" dirty="0">
+                <a:hlinkClick r:id="rId4"/>
+              </a:rPr>
+              <a:t>ROS_PACKAGE_PATH</a:t>
+            </a:r>
+            <a:r>
+              <a:rPr lang="en-US" dirty="0"/>
+              <a:t> might look like this:</a:t>
+            </a:r>
+          </a:p>
+        </p:txBody>
+      </p:sp>
+      <p:sp>
+        <p:nvSpPr>
+          <p:cNvPr id="14" name="TextBox 13"/>
+          <p:cNvSpPr txBox="1"/>
+          <p:nvPr/>
+        </p:nvSpPr>
+        <p:spPr>
+          <a:xfrm>
+            <a:off x="2629017" y="6127664"/>
+            <a:ext cx="6820778" cy="369332"/>
+          </a:xfrm>
+          <a:prstGeom prst="rect">
+            <a:avLst/>
+          </a:prstGeom>
+          <a:noFill/>
+          <a:ln>
+            <a:solidFill>
+              <a:srgbClr val="7030A0"/>
+            </a:solidFill>
+          </a:ln>
+        </p:spPr>
+        <p:txBody>
+          <a:bodyPr wrap="none" rtlCol="0">
+            <a:spAutoFit/>
+          </a:bodyPr>
+          <a:lstStyle/>
+          <a:p>
+            <a:r>
+              <a:rPr lang="en-US" dirty="0">
+                <a:solidFill>
+                  <a:schemeClr val="accent1">
+                    <a:lumMod val="75000"/>
+                  </a:schemeClr>
+                </a:solidFill>
+              </a:rPr>
+              <a:t>/opt/ros/kinetic/base/install/share:/opt/ros/kinetic/base/install/stacks</a:t>
+            </a:r>
+          </a:p>
+        </p:txBody>
+      </p:sp>
+    </p:spTree>
+    <p:extLst>
+      <p:ext uri="{BB962C8B-B14F-4D97-AF65-F5344CB8AC3E}">
+        <p14:creationId xmlns:p14="http://schemas.microsoft.com/office/powerpoint/2010/main" val="3825355508"/>
+      </p:ext>
+    </p:extLst>
+  </p:cSld>
+  <p:clrMapOvr>
+    <a:masterClrMapping/>
+  </p:clrMapOvr>
+</p:sld>
+</file>
+
+<file path=ppt/slides/slide15.xml><?xml version="1.0" encoding="utf-8"?>
+<p:sld xmlns:a="http://schemas.openxmlformats.org/drawingml/2006/main" xmlns:r="http://schemas.openxmlformats.org/officeDocument/2006/relationships" xmlns:p="http://schemas.openxmlformats.org/presentationml/2006/main">
+  <p:cSld>
+    <p:spTree>
+      <p:nvGrpSpPr>
+        <p:cNvPr id="1" name=""/>
+        <p:cNvGrpSpPr/>
+        <p:nvPr/>
+      </p:nvGrpSpPr>
+      <p:grpSpPr>
+        <a:xfrm>
+          <a:off x="0" y="0"/>
+          <a:ext cx="0" cy="0"/>
+          <a:chOff x="0" y="0"/>
+          <a:chExt cx="0" cy="0"/>
+        </a:xfrm>
+      </p:grpSpPr>
+      <p:sp>
+        <p:nvSpPr>
+          <p:cNvPr id="2" name="TextBox 1"/>
+          <p:cNvSpPr txBox="1"/>
+          <p:nvPr/>
+        </p:nvSpPr>
+        <p:spPr>
+          <a:xfrm>
+            <a:off x="573741" y="466165"/>
+            <a:ext cx="10650071" cy="646331"/>
+          </a:xfrm>
+          <a:prstGeom prst="rect">
+            <a:avLst/>
+          </a:prstGeom>
+          <a:noFill/>
+        </p:spPr>
+        <p:txBody>
+          <a:bodyPr wrap="square" rtlCol="0">
+            <a:spAutoFit/>
+          </a:bodyPr>
+          <a:lstStyle/>
+          <a:p>
+            <a:r>
+              <a:rPr lang="en-US" dirty="0"/>
+              <a:t>Similarly to other environment paths, you can add additional directories to your </a:t>
+            </a:r>
+            <a:r>
+              <a:rPr lang="en-US" dirty="0">
+                <a:hlinkClick r:id="rId2"/>
+              </a:rPr>
+              <a:t>ROS_PACKAGE_PATH</a:t>
+            </a:r>
+            <a:r>
+              <a:rPr lang="en-US" dirty="0"/>
+              <a:t>, with each path separated by a colon ':'. </a:t>
+            </a:r>
+          </a:p>
+        </p:txBody>
+      </p:sp>
+      <p:sp>
+        <p:nvSpPr>
+          <p:cNvPr id="3" name="TextBox 2"/>
+          <p:cNvSpPr txBox="1"/>
+          <p:nvPr/>
+        </p:nvSpPr>
+        <p:spPr>
+          <a:xfrm>
+            <a:off x="573741" y="1112496"/>
+            <a:ext cx="5787866" cy="923330"/>
+          </a:xfrm>
+          <a:prstGeom prst="rect">
+            <a:avLst/>
+          </a:prstGeom>
+          <a:noFill/>
+        </p:spPr>
+        <p:txBody>
+          <a:bodyPr wrap="none" rtlCol="0">
+            <a:spAutoFit/>
+          </a:bodyPr>
+          <a:lstStyle/>
+          <a:p>
+            <a:r>
+              <a:rPr lang="en-US" b="1" dirty="0"/>
+              <a:t>Subdirectories</a:t>
+            </a:r>
+          </a:p>
+          <a:p>
+            <a:r>
+              <a:rPr lang="en-US" dirty="0">
+                <a:hlinkClick r:id="rId3"/>
+              </a:rPr>
+              <a:t>roscd</a:t>
+            </a:r>
+            <a:r>
+              <a:rPr lang="en-US" dirty="0"/>
+              <a:t> can also move to a subdirectory of a package or stack</a:t>
+            </a:r>
+            <a:r>
+              <a:rPr lang="en-US" dirty="0" smtClean="0"/>
+              <a:t>.</a:t>
+            </a:r>
+          </a:p>
+          <a:p>
+            <a:r>
+              <a:rPr lang="en-US" dirty="0" smtClean="0"/>
+              <a:t>Try: </a:t>
+            </a:r>
+            <a:endParaRPr lang="en-US" dirty="0"/>
+          </a:p>
+        </p:txBody>
+      </p:sp>
+      <p:sp>
+        <p:nvSpPr>
+          <p:cNvPr id="5" name="TextBox 4"/>
+          <p:cNvSpPr txBox="1"/>
+          <p:nvPr/>
+        </p:nvSpPr>
+        <p:spPr>
+          <a:xfrm>
+            <a:off x="2779059" y="2045628"/>
+            <a:ext cx="2182200" cy="646331"/>
+          </a:xfrm>
+          <a:prstGeom prst="rect">
+            <a:avLst/>
+          </a:prstGeom>
+          <a:noFill/>
+          <a:ln>
+            <a:solidFill>
+              <a:srgbClr val="7030A0"/>
+            </a:solidFill>
+          </a:ln>
+        </p:spPr>
+        <p:txBody>
+          <a:bodyPr wrap="none" rtlCol="0">
+            <a:spAutoFit/>
+          </a:bodyPr>
+          <a:lstStyle/>
+          <a:p>
+            <a:r>
+              <a:rPr lang="en-IN" dirty="0" smtClean="0">
+                <a:solidFill>
+                  <a:schemeClr val="accent1">
+                    <a:lumMod val="75000"/>
+                  </a:schemeClr>
+                </a:solidFill>
+              </a:rPr>
+              <a:t>$roscd roscpp/cmake</a:t>
+            </a:r>
+          </a:p>
+          <a:p>
+            <a:r>
+              <a:rPr lang="en-IN" dirty="0" smtClean="0">
+                <a:solidFill>
+                  <a:schemeClr val="accent1">
+                    <a:lumMod val="75000"/>
+                  </a:schemeClr>
+                </a:solidFill>
+              </a:rPr>
+              <a:t>$pwd</a:t>
+            </a:r>
+            <a:endParaRPr lang="en-US" dirty="0">
+              <a:solidFill>
+                <a:schemeClr val="accent1">
+                  <a:lumMod val="75000"/>
+                </a:schemeClr>
+              </a:solidFill>
+            </a:endParaRPr>
+          </a:p>
+        </p:txBody>
+      </p:sp>
+      <p:sp>
+        <p:nvSpPr>
+          <p:cNvPr id="6" name="TextBox 5"/>
+          <p:cNvSpPr txBox="1"/>
+          <p:nvPr/>
+        </p:nvSpPr>
+        <p:spPr>
+          <a:xfrm>
+            <a:off x="573741" y="2691959"/>
+            <a:ext cx="918841" cy="369332"/>
+          </a:xfrm>
+          <a:prstGeom prst="rect">
+            <a:avLst/>
+          </a:prstGeom>
+          <a:noFill/>
+        </p:spPr>
+        <p:txBody>
+          <a:bodyPr wrap="none" rtlCol="0">
+            <a:spAutoFit/>
+          </a:bodyPr>
+          <a:lstStyle/>
+          <a:p>
+            <a:r>
+              <a:rPr lang="en-IN" dirty="0" smtClean="0"/>
+              <a:t>Output:</a:t>
+            </a:r>
+            <a:endParaRPr lang="en-US" dirty="0"/>
+          </a:p>
+        </p:txBody>
+      </p:sp>
+      <p:sp>
+        <p:nvSpPr>
+          <p:cNvPr id="7" name="TextBox 6"/>
+          <p:cNvSpPr txBox="1"/>
+          <p:nvPr/>
+        </p:nvSpPr>
+        <p:spPr>
+          <a:xfrm>
+            <a:off x="2779059" y="3061291"/>
+            <a:ext cx="4161845" cy="369332"/>
+          </a:xfrm>
+          <a:prstGeom prst="rect">
+            <a:avLst/>
+          </a:prstGeom>
+          <a:noFill/>
+          <a:ln>
+            <a:solidFill>
+              <a:srgbClr val="7030A0"/>
+            </a:solidFill>
+          </a:ln>
+        </p:spPr>
+        <p:txBody>
+          <a:bodyPr wrap="none" rtlCol="0">
+            <a:spAutoFit/>
+          </a:bodyPr>
+          <a:lstStyle/>
+          <a:p>
+            <a:r>
+              <a:rPr lang="en-US" dirty="0">
+                <a:solidFill>
+                  <a:schemeClr val="accent1">
+                    <a:lumMod val="75000"/>
+                  </a:schemeClr>
+                </a:solidFill>
+              </a:rPr>
+              <a:t>YOUR_INSTALL_PATH/share/roscpp/cmake</a:t>
+            </a:r>
+          </a:p>
+        </p:txBody>
+      </p:sp>
+      <p:sp>
+        <p:nvSpPr>
+          <p:cNvPr id="8" name="TextBox 7"/>
+          <p:cNvSpPr txBox="1"/>
+          <p:nvPr/>
+        </p:nvSpPr>
+        <p:spPr>
+          <a:xfrm>
+            <a:off x="573741" y="3430623"/>
+            <a:ext cx="10650071" cy="923330"/>
+          </a:xfrm>
+          <a:prstGeom prst="rect">
+            <a:avLst/>
+          </a:prstGeom>
+          <a:noFill/>
+        </p:spPr>
+        <p:txBody>
+          <a:bodyPr wrap="square" rtlCol="0">
+            <a:spAutoFit/>
+          </a:bodyPr>
+          <a:lstStyle/>
+          <a:p>
+            <a:r>
+              <a:rPr lang="en-IN" dirty="0">
+                <a:solidFill>
+                  <a:schemeClr val="accent1">
+                    <a:lumMod val="75000"/>
+                  </a:schemeClr>
+                </a:solidFill>
+              </a:rPr>
+              <a:t>r</a:t>
+            </a:r>
+            <a:r>
+              <a:rPr lang="en-IN" dirty="0" smtClean="0">
+                <a:solidFill>
+                  <a:schemeClr val="accent1">
+                    <a:lumMod val="75000"/>
+                  </a:schemeClr>
+                </a:solidFill>
+              </a:rPr>
+              <a:t>oscd log</a:t>
+            </a:r>
+          </a:p>
+          <a:p>
+            <a:r>
+              <a:rPr lang="en-IN" dirty="0"/>
+              <a:t>r</a:t>
+            </a:r>
+            <a:r>
+              <a:rPr lang="en-IN" dirty="0" smtClean="0"/>
+              <a:t>oscd log will take you to the folder where ROS stores log files. Note that if you have not run any ROS programs yet, this will yield an error saying that it does not yet exist.</a:t>
+            </a:r>
+          </a:p>
+        </p:txBody>
+      </p:sp>
+    </p:spTree>
+    <p:extLst>
+      <p:ext uri="{BB962C8B-B14F-4D97-AF65-F5344CB8AC3E}">
+        <p14:creationId xmlns:p14="http://schemas.microsoft.com/office/powerpoint/2010/main" val="2806927098"/>
+      </p:ext>
+    </p:extLst>
+  </p:cSld>
+  <p:clrMapOvr>
+    <a:masterClrMapping/>
+  </p:clrMapOvr>
+  <p:timing>
+    <p:tnLst>
+      <p:par>
+        <p:cTn id="1" dur="indefinite" restart="never" nodeType="tmRoot"/>
+      </p:par>
+    </p:tnLst>
+  </p:timing>
+</p:sld>
+</file>
+
+<file path=ppt/slides/slide16.xml><?xml version="1.0" encoding="utf-8"?>
+<p:sld xmlns:a="http://schemas.openxmlformats.org/drawingml/2006/main" xmlns:r="http://schemas.openxmlformats.org/officeDocument/2006/relationships" xmlns:p="http://schemas.openxmlformats.org/presentationml/2006/main">
+  <p:cSld>
+    <p:spTree>
+      <p:nvGrpSpPr>
+        <p:cNvPr id="1" name=""/>
+        <p:cNvGrpSpPr/>
+        <p:nvPr/>
+      </p:nvGrpSpPr>
+      <p:grpSpPr>
+        <a:xfrm>
+          <a:off x="0" y="0"/>
+          <a:ext cx="0" cy="0"/>
+          <a:chOff x="0" y="0"/>
+          <a:chExt cx="0" cy="0"/>
+        </a:xfrm>
+      </p:grpSpPr>
+      <p:sp>
+        <p:nvSpPr>
+          <p:cNvPr id="2" name="TextBox 1"/>
+          <p:cNvSpPr txBox="1"/>
+          <p:nvPr/>
+        </p:nvSpPr>
+        <p:spPr>
+          <a:xfrm>
+            <a:off x="573741" y="466165"/>
+            <a:ext cx="10650071" cy="646331"/>
+          </a:xfrm>
+          <a:prstGeom prst="rect">
+            <a:avLst/>
+          </a:prstGeom>
+          <a:noFill/>
+        </p:spPr>
+        <p:txBody>
+          <a:bodyPr wrap="square" rtlCol="0">
+            <a:spAutoFit/>
+          </a:bodyPr>
+          <a:lstStyle/>
+          <a:p>
+            <a:r>
+              <a:rPr lang="en-US" dirty="0"/>
+              <a:t>Similarly to other environment paths, you can add additional directories to your </a:t>
+            </a:r>
+            <a:r>
+              <a:rPr lang="en-US" dirty="0">
+                <a:hlinkClick r:id="rId2"/>
+              </a:rPr>
+              <a:t>ROS_PACKAGE_PATH</a:t>
+            </a:r>
+            <a:r>
+              <a:rPr lang="en-US" dirty="0"/>
+              <a:t>, with each path separated by a colon ':'. </a:t>
+            </a:r>
+          </a:p>
+        </p:txBody>
+      </p:sp>
+      <p:sp>
+        <p:nvSpPr>
+          <p:cNvPr id="3" name="TextBox 2"/>
+          <p:cNvSpPr txBox="1"/>
+          <p:nvPr/>
+        </p:nvSpPr>
+        <p:spPr>
+          <a:xfrm>
+            <a:off x="573741" y="1112496"/>
+            <a:ext cx="5787866" cy="923330"/>
+          </a:xfrm>
+          <a:prstGeom prst="rect">
+            <a:avLst/>
+          </a:prstGeom>
+          <a:noFill/>
+        </p:spPr>
+        <p:txBody>
+          <a:bodyPr wrap="none" rtlCol="0">
+            <a:spAutoFit/>
+          </a:bodyPr>
+          <a:lstStyle/>
+          <a:p>
+            <a:r>
+              <a:rPr lang="en-US" b="1" dirty="0"/>
+              <a:t>Subdirectories</a:t>
+            </a:r>
+          </a:p>
+          <a:p>
+            <a:r>
+              <a:rPr lang="en-US" dirty="0">
+                <a:hlinkClick r:id="rId3"/>
+              </a:rPr>
+              <a:t>roscd</a:t>
+            </a:r>
+            <a:r>
+              <a:rPr lang="en-US" dirty="0"/>
+              <a:t> can also move to a subdirectory of a package or stack</a:t>
+            </a:r>
+            <a:r>
+              <a:rPr lang="en-US" dirty="0" smtClean="0"/>
+              <a:t>.</a:t>
+            </a:r>
+          </a:p>
+          <a:p>
+            <a:r>
+              <a:rPr lang="en-US" dirty="0" smtClean="0"/>
+              <a:t>Try: </a:t>
+            </a:r>
+            <a:endParaRPr lang="en-US" dirty="0"/>
+          </a:p>
+        </p:txBody>
+      </p:sp>
+      <p:sp>
+        <p:nvSpPr>
+          <p:cNvPr id="5" name="TextBox 4"/>
+          <p:cNvSpPr txBox="1"/>
+          <p:nvPr/>
+        </p:nvSpPr>
+        <p:spPr>
+          <a:xfrm>
+            <a:off x="2779059" y="2045628"/>
+            <a:ext cx="2182200" cy="646331"/>
+          </a:xfrm>
+          <a:prstGeom prst="rect">
+            <a:avLst/>
+          </a:prstGeom>
+          <a:noFill/>
+          <a:ln>
+            <a:solidFill>
+              <a:srgbClr val="7030A0"/>
+            </a:solidFill>
+          </a:ln>
+        </p:spPr>
+        <p:txBody>
+          <a:bodyPr wrap="none" rtlCol="0">
+            <a:spAutoFit/>
+          </a:bodyPr>
+          <a:lstStyle/>
+          <a:p>
+            <a:r>
+              <a:rPr lang="en-IN" dirty="0" smtClean="0">
+                <a:solidFill>
+                  <a:schemeClr val="accent1">
+                    <a:lumMod val="75000"/>
+                  </a:schemeClr>
+                </a:solidFill>
+              </a:rPr>
+              <a:t>$roscd roscpp/cmake</a:t>
+            </a:r>
+          </a:p>
+          <a:p>
+            <a:r>
+              <a:rPr lang="en-IN" dirty="0" smtClean="0">
+                <a:solidFill>
+                  <a:schemeClr val="accent1">
+                    <a:lumMod val="75000"/>
+                  </a:schemeClr>
+                </a:solidFill>
+              </a:rPr>
+              <a:t>$pwd</a:t>
+            </a:r>
+            <a:endParaRPr lang="en-US" dirty="0">
+              <a:solidFill>
+                <a:schemeClr val="accent1">
+                  <a:lumMod val="75000"/>
+                </a:schemeClr>
+              </a:solidFill>
+            </a:endParaRPr>
+          </a:p>
+        </p:txBody>
+      </p:sp>
+      <p:sp>
+        <p:nvSpPr>
+          <p:cNvPr id="6" name="TextBox 5"/>
+          <p:cNvSpPr txBox="1"/>
+          <p:nvPr/>
+        </p:nvSpPr>
+        <p:spPr>
+          <a:xfrm>
+            <a:off x="573741" y="2691959"/>
+            <a:ext cx="918841" cy="369332"/>
+          </a:xfrm>
+          <a:prstGeom prst="rect">
+            <a:avLst/>
+          </a:prstGeom>
+          <a:noFill/>
+        </p:spPr>
+        <p:txBody>
+          <a:bodyPr wrap="none" rtlCol="0">
+            <a:spAutoFit/>
+          </a:bodyPr>
+          <a:lstStyle/>
+          <a:p>
+            <a:r>
+              <a:rPr lang="en-IN" dirty="0" smtClean="0"/>
+              <a:t>Output:</a:t>
+            </a:r>
+            <a:endParaRPr lang="en-US" dirty="0"/>
+          </a:p>
+        </p:txBody>
+      </p:sp>
+      <p:sp>
+        <p:nvSpPr>
+          <p:cNvPr id="7" name="TextBox 6"/>
+          <p:cNvSpPr txBox="1"/>
+          <p:nvPr/>
+        </p:nvSpPr>
+        <p:spPr>
+          <a:xfrm>
+            <a:off x="2779059" y="3061291"/>
+            <a:ext cx="4161845" cy="369332"/>
+          </a:xfrm>
+          <a:prstGeom prst="rect">
+            <a:avLst/>
+          </a:prstGeom>
+          <a:noFill/>
+          <a:ln>
+            <a:solidFill>
+              <a:srgbClr val="7030A0"/>
+            </a:solidFill>
+          </a:ln>
+        </p:spPr>
+        <p:txBody>
+          <a:bodyPr wrap="none" rtlCol="0">
+            <a:spAutoFit/>
+          </a:bodyPr>
+          <a:lstStyle/>
+          <a:p>
+            <a:r>
+              <a:rPr lang="en-US" dirty="0">
+                <a:solidFill>
+                  <a:schemeClr val="accent1">
+                    <a:lumMod val="75000"/>
+                  </a:schemeClr>
+                </a:solidFill>
+              </a:rPr>
+              <a:t>YOUR_INSTALL_PATH/share/roscpp/cmake</a:t>
+            </a:r>
+          </a:p>
+        </p:txBody>
+      </p:sp>
+      <p:sp>
+        <p:nvSpPr>
+          <p:cNvPr id="8" name="TextBox 7"/>
+          <p:cNvSpPr txBox="1"/>
+          <p:nvPr/>
+        </p:nvSpPr>
+        <p:spPr>
+          <a:xfrm>
+            <a:off x="573741" y="3430623"/>
+            <a:ext cx="10650071" cy="923330"/>
+          </a:xfrm>
+          <a:prstGeom prst="rect">
+            <a:avLst/>
+          </a:prstGeom>
+          <a:noFill/>
+        </p:spPr>
+        <p:txBody>
+          <a:bodyPr wrap="square" rtlCol="0">
+            <a:spAutoFit/>
+          </a:bodyPr>
+          <a:lstStyle/>
+          <a:p>
+            <a:r>
+              <a:rPr lang="en-IN" dirty="0">
+                <a:solidFill>
+                  <a:schemeClr val="accent1">
+                    <a:lumMod val="75000"/>
+                  </a:schemeClr>
+                </a:solidFill>
+              </a:rPr>
+              <a:t>r</a:t>
+            </a:r>
+            <a:r>
+              <a:rPr lang="en-IN" dirty="0" smtClean="0">
+                <a:solidFill>
+                  <a:schemeClr val="accent1">
+                    <a:lumMod val="75000"/>
+                  </a:schemeClr>
+                </a:solidFill>
+              </a:rPr>
+              <a:t>oscd log</a:t>
+            </a:r>
+          </a:p>
+          <a:p>
+            <a:r>
+              <a:rPr lang="en-IN" dirty="0"/>
+              <a:t>r</a:t>
+            </a:r>
+            <a:r>
+              <a:rPr lang="en-IN" dirty="0" smtClean="0"/>
+              <a:t>oscd log will take you to the folder where ROS stores log files. Note that if you have not run any ROS programs yet, this will yield an error saying that it does not yet exist.</a:t>
+            </a:r>
+          </a:p>
+        </p:txBody>
+      </p:sp>
+    </p:spTree>
+    <p:extLst>
+      <p:ext uri="{BB962C8B-B14F-4D97-AF65-F5344CB8AC3E}">
+        <p14:creationId xmlns:p14="http://schemas.microsoft.com/office/powerpoint/2010/main" val="2382383146"/>
       </p:ext>
     </p:extLst>
   </p:cSld>
@@ -3935,24 +6222,14 @@
           <a:lstStyle/>
           <a:p>
             <a:r>
-              <a:rPr lang="en-US" sz="3600" dirty="0" err="1" smtClean="0">
+              <a:rPr lang="en-US" sz="3600" dirty="0" smtClean="0">
                 <a:solidFill>
                   <a:schemeClr val="accent1">
                     <a:lumMod val="75000"/>
                   </a:schemeClr>
                 </a:solidFill>
               </a:rPr>
-              <a:t>Cont</a:t>
-            </a:r>
-            <a:r>
-              <a:rPr lang="en-US" sz="3600" dirty="0" smtClean="0">
-                <a:solidFill>
-                  <a:schemeClr val="accent1">
-                    <a:lumMod val="75000"/>
-                  </a:schemeClr>
-                </a:solidFill>
-              </a:rPr>
-              <a:t>…</a:t>
+              <a:t>Cont…</a:t>
             </a:r>
             <a:endParaRPr lang="en-US" sz="3600" dirty="0">
               <a:solidFill>
@@ -4101,7 +6378,6 @@
               <a:rPr lang="en-US" sz="2000" dirty="0"/>
               <a:t>.</a:t>
             </a:r>
-            <a:endParaRPr lang="en-US" sz="2000" dirty="0"/>
           </a:p>
         </p:txBody>
       </p:sp>
@@ -4165,24 +6441,14 @@
           <a:lstStyle/>
           <a:p>
             <a:r>
-              <a:rPr lang="en-US" sz="3600" dirty="0" err="1" smtClean="0">
+              <a:rPr lang="en-US" sz="3600" dirty="0" smtClean="0">
                 <a:solidFill>
                   <a:schemeClr val="accent1">
                     <a:lumMod val="75000"/>
                   </a:schemeClr>
                 </a:solidFill>
               </a:rPr>
-              <a:t>Cont</a:t>
-            </a:r>
-            <a:r>
-              <a:rPr lang="en-US" sz="3600" dirty="0" smtClean="0">
-                <a:solidFill>
-                  <a:schemeClr val="accent1">
-                    <a:lumMod val="75000"/>
-                  </a:schemeClr>
-                </a:solidFill>
-              </a:rPr>
-              <a:t>…</a:t>
+              <a:t>Cont…</a:t>
             </a:r>
             <a:endParaRPr lang="en-US" sz="3600" dirty="0">
               <a:solidFill>
@@ -4370,7 +6636,7 @@
               <a:t>, these recordings are called “bags” and a tool called </a:t>
             </a:r>
             <a:r>
-              <a:rPr lang="en-IN" sz="2000" b="1" i="1" dirty="0" err="1">
+              <a:rPr lang="en-IN" sz="2000" b="1" i="1" dirty="0">
                 <a:solidFill>
                   <a:schemeClr val="accent1">
                     <a:lumMod val="75000"/>
@@ -4798,16 +7064,36 @@
             <p:ph type="title"/>
           </p:nvPr>
         </p:nvSpPr>
-        <p:spPr/>
-        <p:txBody>
-          <a:bodyPr/>
-          <a:lstStyle/>
-          <a:p>
-            <a:r>
-              <a:rPr lang="en-US" dirty="0" smtClean="0"/>
+        <p:spPr>
+          <a:xfrm>
+            <a:off x="838200" y="365126"/>
+            <a:ext cx="10515600" cy="866516"/>
+          </a:xfrm>
+        </p:spPr>
+        <p:txBody>
+          <a:bodyPr>
+            <a:normAutofit/>
+          </a:bodyPr>
+          <a:lstStyle/>
+          <a:p>
+            <a:r>
+              <a:rPr lang="en-US" sz="3600" dirty="0" smtClean="0">
+                <a:solidFill>
+                  <a:schemeClr val="accent1">
+                    <a:lumMod val="75000"/>
+                  </a:schemeClr>
+                </a:solidFill>
+                <a:hlinkClick r:id="rId2"/>
+              </a:rPr>
               <a:t>Core components</a:t>
             </a:r>
-            <a:endParaRPr lang="en-US" dirty="0"/>
+            <a:endParaRPr lang="en-US" sz="3600" dirty="0">
+              <a:solidFill>
+                <a:schemeClr val="accent1">
+                  <a:lumMod val="75000"/>
+                </a:schemeClr>
+              </a:solidFill>
+            </a:endParaRPr>
           </a:p>
         </p:txBody>
       </p:sp>
@@ -4821,12 +7107,35 @@
             <p:ph idx="1"/>
           </p:nvPr>
         </p:nvSpPr>
-        <p:spPr/>
-        <p:txBody>
-          <a:bodyPr/>
-          <a:lstStyle/>
-          <a:p>
-            <a:endParaRPr lang="en-US" dirty="0"/>
+        <p:spPr>
+          <a:xfrm>
+            <a:off x="838200" y="1390261"/>
+            <a:ext cx="10515600" cy="4786702"/>
+          </a:xfrm>
+        </p:spPr>
+        <p:txBody>
+          <a:bodyPr>
+            <a:normAutofit/>
+          </a:bodyPr>
+          <a:lstStyle/>
+          <a:p>
+            <a:r>
+              <a:rPr lang="en-US" sz="2400" dirty="0" smtClean="0"/>
+              <a:t>Communication Infrastructure</a:t>
+            </a:r>
+          </a:p>
+          <a:p>
+            <a:r>
+              <a:rPr lang="en-US" sz="2400" dirty="0" smtClean="0"/>
+              <a:t>Robot-Specific Features</a:t>
+            </a:r>
+          </a:p>
+          <a:p>
+            <a:r>
+              <a:rPr lang="en-US" sz="2400" dirty="0" smtClean="0"/>
+              <a:t>Tools</a:t>
+            </a:r>
+            <a:endParaRPr lang="en-US" sz="2400" dirty="0"/>
           </a:p>
         </p:txBody>
       </p:sp>

--- a/ROS lec 1.pptx
+++ b/ROS lec 1.pptx
@@ -20,7 +20,6 @@
     <p:sldId id="268" r:id="rId14"/>
     <p:sldId id="269" r:id="rId15"/>
     <p:sldId id="270" r:id="rId16"/>
-    <p:sldId id="271" r:id="rId17"/>
   </p:sldIdLst>
   <p:sldSz cx="12192000" cy="6858000"/>
   <p:notesSz cx="6858000" cy="9144000"/>
@@ -3325,6 +3324,13 @@
   <p:clrMapOvr>
     <a:masterClrMapping/>
   </p:clrMapOvr>
+  <p:timing>
+    <p:tnLst>
+      <p:par>
+        <p:cTn id="1" dur="indefinite" restart="never" nodeType="tmRoot"/>
+      </p:par>
+    </p:tnLst>
+  </p:timing>
 </p:sld>
 </file>
 
@@ -3589,6 +3595,13 @@
   <p:clrMapOvr>
     <a:masterClrMapping/>
   </p:clrMapOvr>
+  <p:timing>
+    <p:tnLst>
+      <p:par>
+        <p:cTn id="1" dur="indefinite" restart="never" nodeType="tmRoot"/>
+      </p:par>
+    </p:tnLst>
+  </p:timing>
 </p:sld>
 </file>
 
@@ -4871,6 +4884,13 @@
   <p:clrMapOvr>
     <a:masterClrMapping/>
   </p:clrMapOvr>
+  <p:timing>
+    <p:tnLst>
+      <p:par>
+        <p:cTn id="1" dur="indefinite" restart="never" nodeType="tmRoot"/>
+      </p:par>
+    </p:tnLst>
+  </p:timing>
 </p:sld>
 </file>
 
@@ -5170,318 +5190,6 @@
     <p:extLst>
       <p:ext uri="{BB962C8B-B14F-4D97-AF65-F5344CB8AC3E}">
         <p14:creationId xmlns:p14="http://schemas.microsoft.com/office/powerpoint/2010/main" val="2806927098"/>
-      </p:ext>
-    </p:extLst>
-  </p:cSld>
-  <p:clrMapOvr>
-    <a:masterClrMapping/>
-  </p:clrMapOvr>
-  <p:timing>
-    <p:tnLst>
-      <p:par>
-        <p:cTn id="1" dur="indefinite" restart="never" nodeType="tmRoot"/>
-      </p:par>
-    </p:tnLst>
-  </p:timing>
-</p:sld>
-</file>
-
-<file path=ppt/slides/slide16.xml><?xml version="1.0" encoding="utf-8"?>
-<p:sld xmlns:a="http://schemas.openxmlformats.org/drawingml/2006/main" xmlns:r="http://schemas.openxmlformats.org/officeDocument/2006/relationships" xmlns:p="http://schemas.openxmlformats.org/presentationml/2006/main">
-  <p:cSld>
-    <p:spTree>
-      <p:nvGrpSpPr>
-        <p:cNvPr id="1" name=""/>
-        <p:cNvGrpSpPr/>
-        <p:nvPr/>
-      </p:nvGrpSpPr>
-      <p:grpSpPr>
-        <a:xfrm>
-          <a:off x="0" y="0"/>
-          <a:ext cx="0" cy="0"/>
-          <a:chOff x="0" y="0"/>
-          <a:chExt cx="0" cy="0"/>
-        </a:xfrm>
-      </p:grpSpPr>
-      <p:sp>
-        <p:nvSpPr>
-          <p:cNvPr id="2" name="TextBox 1"/>
-          <p:cNvSpPr txBox="1"/>
-          <p:nvPr/>
-        </p:nvSpPr>
-        <p:spPr>
-          <a:xfrm>
-            <a:off x="573741" y="466165"/>
-            <a:ext cx="10650071" cy="646331"/>
-          </a:xfrm>
-          <a:prstGeom prst="rect">
-            <a:avLst/>
-          </a:prstGeom>
-          <a:noFill/>
-        </p:spPr>
-        <p:txBody>
-          <a:bodyPr wrap="square" rtlCol="0">
-            <a:spAutoFit/>
-          </a:bodyPr>
-          <a:lstStyle/>
-          <a:p>
-            <a:r>
-              <a:rPr lang="en-US" dirty="0"/>
-              <a:t>Similarly to other environment paths, you can add additional directories to your </a:t>
-            </a:r>
-            <a:r>
-              <a:rPr lang="en-US" dirty="0">
-                <a:hlinkClick r:id="rId2"/>
-              </a:rPr>
-              <a:t>ROS_PACKAGE_PATH</a:t>
-            </a:r>
-            <a:r>
-              <a:rPr lang="en-US" dirty="0"/>
-              <a:t>, with each path separated by a colon ':'. </a:t>
-            </a:r>
-          </a:p>
-        </p:txBody>
-      </p:sp>
-      <p:sp>
-        <p:nvSpPr>
-          <p:cNvPr id="3" name="TextBox 2"/>
-          <p:cNvSpPr txBox="1"/>
-          <p:nvPr/>
-        </p:nvSpPr>
-        <p:spPr>
-          <a:xfrm>
-            <a:off x="573741" y="1112496"/>
-            <a:ext cx="5787866" cy="923330"/>
-          </a:xfrm>
-          <a:prstGeom prst="rect">
-            <a:avLst/>
-          </a:prstGeom>
-          <a:noFill/>
-        </p:spPr>
-        <p:txBody>
-          <a:bodyPr wrap="none" rtlCol="0">
-            <a:spAutoFit/>
-          </a:bodyPr>
-          <a:lstStyle/>
-          <a:p>
-            <a:r>
-              <a:rPr lang="en-US" b="1" dirty="0"/>
-              <a:t>Subdirectories</a:t>
-            </a:r>
-          </a:p>
-          <a:p>
-            <a:r>
-              <a:rPr lang="en-US" dirty="0">
-                <a:hlinkClick r:id="rId3"/>
-              </a:rPr>
-              <a:t>roscd</a:t>
-            </a:r>
-            <a:r>
-              <a:rPr lang="en-US" dirty="0"/>
-              <a:t> can also move to a subdirectory of a package or stack</a:t>
-            </a:r>
-            <a:r>
-              <a:rPr lang="en-US" dirty="0" smtClean="0"/>
-              <a:t>.</a:t>
-            </a:r>
-          </a:p>
-          <a:p>
-            <a:r>
-              <a:rPr lang="en-US" dirty="0" smtClean="0"/>
-              <a:t>Try: </a:t>
-            </a:r>
-            <a:endParaRPr lang="en-US" dirty="0"/>
-          </a:p>
-        </p:txBody>
-      </p:sp>
-      <p:sp>
-        <p:nvSpPr>
-          <p:cNvPr id="5" name="TextBox 4"/>
-          <p:cNvSpPr txBox="1"/>
-          <p:nvPr/>
-        </p:nvSpPr>
-        <p:spPr>
-          <a:xfrm>
-            <a:off x="2779059" y="2045628"/>
-            <a:ext cx="2182200" cy="646331"/>
-          </a:xfrm>
-          <a:prstGeom prst="rect">
-            <a:avLst/>
-          </a:prstGeom>
-          <a:noFill/>
-          <a:ln>
-            <a:solidFill>
-              <a:srgbClr val="7030A0"/>
-            </a:solidFill>
-          </a:ln>
-        </p:spPr>
-        <p:txBody>
-          <a:bodyPr wrap="none" rtlCol="0">
-            <a:spAutoFit/>
-          </a:bodyPr>
-          <a:lstStyle/>
-          <a:p>
-            <a:r>
-              <a:rPr lang="en-IN" dirty="0" smtClean="0">
-                <a:solidFill>
-                  <a:schemeClr val="accent1">
-                    <a:lumMod val="75000"/>
-                  </a:schemeClr>
-                </a:solidFill>
-              </a:rPr>
-              <a:t>$roscd roscpp/cmake</a:t>
-            </a:r>
-          </a:p>
-          <a:p>
-            <a:r>
-              <a:rPr lang="en-IN" dirty="0" smtClean="0">
-                <a:solidFill>
-                  <a:schemeClr val="accent1">
-                    <a:lumMod val="75000"/>
-                  </a:schemeClr>
-                </a:solidFill>
-              </a:rPr>
-              <a:t>$pwd</a:t>
-            </a:r>
-            <a:endParaRPr lang="en-US" dirty="0">
-              <a:solidFill>
-                <a:schemeClr val="accent1">
-                  <a:lumMod val="75000"/>
-                </a:schemeClr>
-              </a:solidFill>
-            </a:endParaRPr>
-          </a:p>
-        </p:txBody>
-      </p:sp>
-      <p:sp>
-        <p:nvSpPr>
-          <p:cNvPr id="6" name="TextBox 5"/>
-          <p:cNvSpPr txBox="1"/>
-          <p:nvPr/>
-        </p:nvSpPr>
-        <p:spPr>
-          <a:xfrm>
-            <a:off x="573741" y="2691959"/>
-            <a:ext cx="918841" cy="369332"/>
-          </a:xfrm>
-          <a:prstGeom prst="rect">
-            <a:avLst/>
-          </a:prstGeom>
-          <a:noFill/>
-        </p:spPr>
-        <p:txBody>
-          <a:bodyPr wrap="none" rtlCol="0">
-            <a:spAutoFit/>
-          </a:bodyPr>
-          <a:lstStyle/>
-          <a:p>
-            <a:r>
-              <a:rPr lang="en-IN" dirty="0" smtClean="0"/>
-              <a:t>Output:</a:t>
-            </a:r>
-            <a:endParaRPr lang="en-US" dirty="0"/>
-          </a:p>
-        </p:txBody>
-      </p:sp>
-      <p:sp>
-        <p:nvSpPr>
-          <p:cNvPr id="7" name="TextBox 6"/>
-          <p:cNvSpPr txBox="1"/>
-          <p:nvPr/>
-        </p:nvSpPr>
-        <p:spPr>
-          <a:xfrm>
-            <a:off x="2779059" y="3061291"/>
-            <a:ext cx="4161845" cy="369332"/>
-          </a:xfrm>
-          <a:prstGeom prst="rect">
-            <a:avLst/>
-          </a:prstGeom>
-          <a:noFill/>
-          <a:ln>
-            <a:solidFill>
-              <a:srgbClr val="7030A0"/>
-            </a:solidFill>
-          </a:ln>
-        </p:spPr>
-        <p:txBody>
-          <a:bodyPr wrap="none" rtlCol="0">
-            <a:spAutoFit/>
-          </a:bodyPr>
-          <a:lstStyle/>
-          <a:p>
-            <a:r>
-              <a:rPr lang="en-US" dirty="0">
-                <a:solidFill>
-                  <a:schemeClr val="accent1">
-                    <a:lumMod val="75000"/>
-                  </a:schemeClr>
-                </a:solidFill>
-              </a:rPr>
-              <a:t>YOUR_INSTALL_PATH/share/roscpp/cmake</a:t>
-            </a:r>
-          </a:p>
-        </p:txBody>
-      </p:sp>
-      <p:sp>
-        <p:nvSpPr>
-          <p:cNvPr id="8" name="TextBox 7"/>
-          <p:cNvSpPr txBox="1"/>
-          <p:nvPr/>
-        </p:nvSpPr>
-        <p:spPr>
-          <a:xfrm>
-            <a:off x="573741" y="3430623"/>
-            <a:ext cx="10650071" cy="923330"/>
-          </a:xfrm>
-          <a:prstGeom prst="rect">
-            <a:avLst/>
-          </a:prstGeom>
-          <a:noFill/>
-        </p:spPr>
-        <p:txBody>
-          <a:bodyPr wrap="square" rtlCol="0">
-            <a:spAutoFit/>
-          </a:bodyPr>
-          <a:lstStyle/>
-          <a:p>
-            <a:r>
-              <a:rPr lang="en-IN" dirty="0">
-                <a:solidFill>
-                  <a:schemeClr val="accent1">
-                    <a:lumMod val="75000"/>
-                  </a:schemeClr>
-                </a:solidFill>
-              </a:rPr>
-              <a:t>r</a:t>
-            </a:r>
-            <a:r>
-              <a:rPr lang="en-IN" dirty="0" smtClean="0">
-                <a:solidFill>
-                  <a:schemeClr val="accent1">
-                    <a:lumMod val="75000"/>
-                  </a:schemeClr>
-                </a:solidFill>
-              </a:rPr>
-              <a:t>oscd log</a:t>
-            </a:r>
-          </a:p>
-          <a:p>
-            <a:r>
-              <a:rPr lang="en-IN" dirty="0"/>
-              <a:t>r</a:t>
-            </a:r>
-            <a:r>
-              <a:rPr lang="en-IN" dirty="0" smtClean="0"/>
-              <a:t>oscd log will take you to the folder where ROS stores log files. Note that if you have not run any ROS programs yet, this will yield an error saying that it does not yet exist.</a:t>
-            </a:r>
-          </a:p>
-        </p:txBody>
-      </p:sp>
-    </p:spTree>
-    <p:extLst>
-      <p:ext uri="{BB962C8B-B14F-4D97-AF65-F5344CB8AC3E}">
-        <p14:creationId xmlns:p14="http://schemas.microsoft.com/office/powerpoint/2010/main" val="2382383146"/>
       </p:ext>
     </p:extLst>
   </p:cSld>

--- a/ROS lec 1.pptx
+++ b/ROS lec 1.pptx
@@ -20,6 +20,8 @@
     <p:sldId id="268" r:id="rId14"/>
     <p:sldId id="269" r:id="rId15"/>
     <p:sldId id="270" r:id="rId16"/>
+    <p:sldId id="271" r:id="rId17"/>
+    <p:sldId id="272" r:id="rId18"/>
   </p:sldIdLst>
   <p:sldSz cx="12192000" cy="6858000"/>
   <p:notesSz cx="6858000" cy="9144000"/>
@@ -257,7 +259,7 @@
           <a:p>
             <a:fld id="{13CE46BE-96E9-4A8C-84B7-32075502C6FA}" type="datetimeFigureOut">
               <a:rPr lang="en-US" smtClean="0"/>
-              <a:t>6/30/2016</a:t>
+              <a:t>7/1/2016</a:t>
             </a:fld>
             <a:endParaRPr lang="en-US" dirty="0"/>
           </a:p>
@@ -427,7 +429,7 @@
           <a:p>
             <a:fld id="{13CE46BE-96E9-4A8C-84B7-32075502C6FA}" type="datetimeFigureOut">
               <a:rPr lang="en-US" smtClean="0"/>
-              <a:t>6/30/2016</a:t>
+              <a:t>7/1/2016</a:t>
             </a:fld>
             <a:endParaRPr lang="en-US" dirty="0"/>
           </a:p>
@@ -607,7 +609,7 @@
           <a:p>
             <a:fld id="{13CE46BE-96E9-4A8C-84B7-32075502C6FA}" type="datetimeFigureOut">
               <a:rPr lang="en-US" smtClean="0"/>
-              <a:t>6/30/2016</a:t>
+              <a:t>7/1/2016</a:t>
             </a:fld>
             <a:endParaRPr lang="en-US" dirty="0"/>
           </a:p>
@@ -777,7 +779,7 @@
           <a:p>
             <a:fld id="{13CE46BE-96E9-4A8C-84B7-32075502C6FA}" type="datetimeFigureOut">
               <a:rPr lang="en-US" smtClean="0"/>
-              <a:t>6/30/2016</a:t>
+              <a:t>7/1/2016</a:t>
             </a:fld>
             <a:endParaRPr lang="en-US" dirty="0"/>
           </a:p>
@@ -1023,7 +1025,7 @@
           <a:p>
             <a:fld id="{13CE46BE-96E9-4A8C-84B7-32075502C6FA}" type="datetimeFigureOut">
               <a:rPr lang="en-US" smtClean="0"/>
-              <a:t>6/30/2016</a:t>
+              <a:t>7/1/2016</a:t>
             </a:fld>
             <a:endParaRPr lang="en-US" dirty="0"/>
           </a:p>
@@ -1255,7 +1257,7 @@
           <a:p>
             <a:fld id="{13CE46BE-96E9-4A8C-84B7-32075502C6FA}" type="datetimeFigureOut">
               <a:rPr lang="en-US" smtClean="0"/>
-              <a:t>6/30/2016</a:t>
+              <a:t>7/1/2016</a:t>
             </a:fld>
             <a:endParaRPr lang="en-US" dirty="0"/>
           </a:p>
@@ -1622,7 +1624,7 @@
           <a:p>
             <a:fld id="{13CE46BE-96E9-4A8C-84B7-32075502C6FA}" type="datetimeFigureOut">
               <a:rPr lang="en-US" smtClean="0"/>
-              <a:t>6/30/2016</a:t>
+              <a:t>7/1/2016</a:t>
             </a:fld>
             <a:endParaRPr lang="en-US" dirty="0"/>
           </a:p>
@@ -1740,7 +1742,7 @@
           <a:p>
             <a:fld id="{13CE46BE-96E9-4A8C-84B7-32075502C6FA}" type="datetimeFigureOut">
               <a:rPr lang="en-US" smtClean="0"/>
-              <a:t>6/30/2016</a:t>
+              <a:t>7/1/2016</a:t>
             </a:fld>
             <a:endParaRPr lang="en-US" dirty="0"/>
           </a:p>
@@ -1835,7 +1837,7 @@
           <a:p>
             <a:fld id="{13CE46BE-96E9-4A8C-84B7-32075502C6FA}" type="datetimeFigureOut">
               <a:rPr lang="en-US" smtClean="0"/>
-              <a:t>6/30/2016</a:t>
+              <a:t>7/1/2016</a:t>
             </a:fld>
             <a:endParaRPr lang="en-US" dirty="0"/>
           </a:p>
@@ -2112,7 +2114,7 @@
           <a:p>
             <a:fld id="{13CE46BE-96E9-4A8C-84B7-32075502C6FA}" type="datetimeFigureOut">
               <a:rPr lang="en-US" smtClean="0"/>
-              <a:t>6/30/2016</a:t>
+              <a:t>7/1/2016</a:t>
             </a:fld>
             <a:endParaRPr lang="en-US" dirty="0"/>
           </a:p>
@@ -2365,7 +2367,7 @@
           <a:p>
             <a:fld id="{13CE46BE-96E9-4A8C-84B7-32075502C6FA}" type="datetimeFigureOut">
               <a:rPr lang="en-US" smtClean="0"/>
-              <a:t>6/30/2016</a:t>
+              <a:t>7/1/2016</a:t>
             </a:fld>
             <a:endParaRPr lang="en-US" dirty="0"/>
           </a:p>
@@ -2578,7 +2580,7 @@
           <a:p>
             <a:fld id="{13CE46BE-96E9-4A8C-84B7-32075502C6FA}" type="datetimeFigureOut">
               <a:rPr lang="en-US" smtClean="0"/>
-              <a:t>6/30/2016</a:t>
+              <a:t>7/1/2016</a:t>
             </a:fld>
             <a:endParaRPr lang="en-US" dirty="0"/>
           </a:p>
@@ -5206,6 +5208,655 @@
 </p:sld>
 </file>
 
+<file path=ppt/slides/slide16.xml><?xml version="1.0" encoding="utf-8"?>
+<p:sld xmlns:a="http://schemas.openxmlformats.org/drawingml/2006/main" xmlns:r="http://schemas.openxmlformats.org/officeDocument/2006/relationships" xmlns:p="http://schemas.openxmlformats.org/presentationml/2006/main">
+  <p:cSld>
+    <p:spTree>
+      <p:nvGrpSpPr>
+        <p:cNvPr id="1" name=""/>
+        <p:cNvGrpSpPr/>
+        <p:nvPr/>
+      </p:nvGrpSpPr>
+      <p:grpSpPr>
+        <a:xfrm>
+          <a:off x="0" y="0"/>
+          <a:ext cx="0" cy="0"/>
+          <a:chOff x="0" y="0"/>
+          <a:chExt cx="0" cy="0"/>
+        </a:xfrm>
+      </p:grpSpPr>
+      <p:sp>
+        <p:nvSpPr>
+          <p:cNvPr id="2" name="TextBox 1"/>
+          <p:cNvSpPr txBox="1"/>
+          <p:nvPr/>
+        </p:nvSpPr>
+        <p:spPr>
+          <a:xfrm>
+            <a:off x="824753" y="573741"/>
+            <a:ext cx="10504799" cy="923330"/>
+          </a:xfrm>
+          <a:prstGeom prst="rect">
+            <a:avLst/>
+          </a:prstGeom>
+          <a:noFill/>
+        </p:spPr>
+        <p:txBody>
+          <a:bodyPr wrap="none" rtlCol="0">
+            <a:spAutoFit/>
+          </a:bodyPr>
+          <a:lstStyle/>
+          <a:p>
+            <a:r>
+              <a:rPr lang="en-US" dirty="0" smtClean="0"/>
+              <a:t>Using </a:t>
+            </a:r>
+            <a:r>
+              <a:rPr lang="en-US" dirty="0" err="1" smtClean="0">
+                <a:solidFill>
+                  <a:schemeClr val="accent1">
+                    <a:lumMod val="75000"/>
+                  </a:schemeClr>
+                </a:solidFill>
+              </a:rPr>
+              <a:t>rosls</a:t>
+            </a:r>
+            <a:endParaRPr lang="en-US" dirty="0" smtClean="0">
+              <a:solidFill>
+                <a:schemeClr val="accent1">
+                  <a:lumMod val="75000"/>
+                </a:schemeClr>
+              </a:solidFill>
+            </a:endParaRPr>
+          </a:p>
+          <a:p>
+            <a:r>
+              <a:rPr lang="en-US" dirty="0" err="1">
+                <a:hlinkClick r:id="rId2"/>
+              </a:rPr>
+              <a:t>rosls</a:t>
+            </a:r>
+            <a:r>
+              <a:rPr lang="en-US" dirty="0"/>
+              <a:t> is part of the </a:t>
+            </a:r>
+            <a:r>
+              <a:rPr lang="en-US" dirty="0">
+                <a:hlinkClick r:id="rId3"/>
+              </a:rPr>
+              <a:t>rosbash</a:t>
+            </a:r>
+            <a:r>
+              <a:rPr lang="en-US" dirty="0"/>
+              <a:t> suite. It allows you to </a:t>
+            </a:r>
+            <a:r>
+              <a:rPr lang="en-US" dirty="0" err="1">
+                <a:hlinkClick r:id="rId4"/>
+              </a:rPr>
+              <a:t>ls</a:t>
+            </a:r>
+            <a:r>
+              <a:rPr lang="en-US" dirty="0"/>
+              <a:t> directly in a package by name rather than by absolute path</a:t>
+            </a:r>
+            <a:r>
+              <a:rPr lang="en-US" dirty="0" smtClean="0"/>
+              <a:t>.</a:t>
+            </a:r>
+          </a:p>
+          <a:p>
+            <a:r>
+              <a:rPr lang="en-US" dirty="0" smtClean="0"/>
+              <a:t>Usage: </a:t>
+            </a:r>
+            <a:endParaRPr lang="en-US" dirty="0"/>
+          </a:p>
+        </p:txBody>
+      </p:sp>
+      <p:sp>
+        <p:nvSpPr>
+          <p:cNvPr id="3" name="TextBox 2"/>
+          <p:cNvSpPr txBox="1"/>
+          <p:nvPr/>
+        </p:nvSpPr>
+        <p:spPr>
+          <a:xfrm>
+            <a:off x="3469341" y="1497071"/>
+            <a:ext cx="3078728" cy="369332"/>
+          </a:xfrm>
+          <a:prstGeom prst="rect">
+            <a:avLst/>
+          </a:prstGeom>
+          <a:noFill/>
+          <a:ln>
+            <a:solidFill>
+              <a:srgbClr val="7030A0"/>
+            </a:solidFill>
+          </a:ln>
+        </p:spPr>
+        <p:txBody>
+          <a:bodyPr wrap="none" rtlCol="0">
+            <a:spAutoFit/>
+          </a:bodyPr>
+          <a:lstStyle/>
+          <a:p>
+            <a:r>
+              <a:rPr lang="en-US" dirty="0">
+                <a:solidFill>
+                  <a:schemeClr val="accent1">
+                    <a:lumMod val="75000"/>
+                  </a:schemeClr>
+                </a:solidFill>
+              </a:rPr>
+              <a:t>$ </a:t>
+            </a:r>
+            <a:r>
+              <a:rPr lang="en-US" dirty="0" err="1">
+                <a:solidFill>
+                  <a:schemeClr val="accent1">
+                    <a:lumMod val="75000"/>
+                  </a:schemeClr>
+                </a:solidFill>
+              </a:rPr>
+              <a:t>rosls</a:t>
+            </a:r>
+            <a:r>
+              <a:rPr lang="en-US" dirty="0">
+                <a:solidFill>
+                  <a:schemeClr val="accent1">
+                    <a:lumMod val="75000"/>
+                  </a:schemeClr>
+                </a:solidFill>
+              </a:rPr>
+              <a:t> [</a:t>
+            </a:r>
+            <a:r>
+              <a:rPr lang="en-US" dirty="0" err="1">
+                <a:solidFill>
+                  <a:schemeClr val="accent1">
+                    <a:lumMod val="75000"/>
+                  </a:schemeClr>
+                </a:solidFill>
+              </a:rPr>
+              <a:t>locationname</a:t>
+            </a:r>
+            <a:r>
+              <a:rPr lang="en-US" dirty="0">
+                <a:solidFill>
+                  <a:schemeClr val="accent1">
+                    <a:lumMod val="75000"/>
+                  </a:schemeClr>
+                </a:solidFill>
+              </a:rPr>
+              <a:t>[/</a:t>
+            </a:r>
+            <a:r>
+              <a:rPr lang="en-US" dirty="0" err="1">
+                <a:solidFill>
+                  <a:schemeClr val="accent1">
+                    <a:lumMod val="75000"/>
+                  </a:schemeClr>
+                </a:solidFill>
+              </a:rPr>
+              <a:t>subdir</a:t>
+            </a:r>
+            <a:r>
+              <a:rPr lang="en-US" dirty="0">
+                <a:solidFill>
+                  <a:schemeClr val="accent1">
+                    <a:lumMod val="75000"/>
+                  </a:schemeClr>
+                </a:solidFill>
+              </a:rPr>
+              <a:t>]]</a:t>
+            </a:r>
+          </a:p>
+        </p:txBody>
+      </p:sp>
+      <p:sp>
+        <p:nvSpPr>
+          <p:cNvPr id="4" name="TextBox 3"/>
+          <p:cNvSpPr txBox="1"/>
+          <p:nvPr/>
+        </p:nvSpPr>
+        <p:spPr>
+          <a:xfrm>
+            <a:off x="824753" y="1920243"/>
+            <a:ext cx="1092607" cy="369332"/>
+          </a:xfrm>
+          <a:prstGeom prst="rect">
+            <a:avLst/>
+          </a:prstGeom>
+          <a:noFill/>
+        </p:spPr>
+        <p:txBody>
+          <a:bodyPr wrap="none" rtlCol="0">
+            <a:spAutoFit/>
+          </a:bodyPr>
+          <a:lstStyle/>
+          <a:p>
+            <a:r>
+              <a:rPr lang="en-US" dirty="0"/>
+              <a:t>Example: </a:t>
+            </a:r>
+          </a:p>
+        </p:txBody>
+      </p:sp>
+      <p:sp>
+        <p:nvSpPr>
+          <p:cNvPr id="5" name="TextBox 4"/>
+          <p:cNvSpPr txBox="1"/>
+          <p:nvPr/>
+        </p:nvSpPr>
+        <p:spPr>
+          <a:xfrm>
+            <a:off x="3469341" y="2289575"/>
+            <a:ext cx="2364686" cy="369332"/>
+          </a:xfrm>
+          <a:prstGeom prst="rect">
+            <a:avLst/>
+          </a:prstGeom>
+          <a:noFill/>
+          <a:ln>
+            <a:solidFill>
+              <a:srgbClr val="7030A0"/>
+            </a:solidFill>
+          </a:ln>
+        </p:spPr>
+        <p:txBody>
+          <a:bodyPr wrap="none" rtlCol="0">
+            <a:spAutoFit/>
+          </a:bodyPr>
+          <a:lstStyle/>
+          <a:p>
+            <a:r>
+              <a:rPr lang="en-US" dirty="0">
+                <a:solidFill>
+                  <a:schemeClr val="accent1">
+                    <a:lumMod val="75000"/>
+                  </a:schemeClr>
+                </a:solidFill>
+              </a:rPr>
+              <a:t>$ </a:t>
+            </a:r>
+            <a:r>
+              <a:rPr lang="en-US" dirty="0" err="1">
+                <a:solidFill>
+                  <a:schemeClr val="accent1">
+                    <a:lumMod val="75000"/>
+                  </a:schemeClr>
+                </a:solidFill>
+              </a:rPr>
+              <a:t>rosls</a:t>
+            </a:r>
+            <a:r>
+              <a:rPr lang="en-US" dirty="0">
+                <a:solidFill>
+                  <a:schemeClr val="accent1">
+                    <a:lumMod val="75000"/>
+                  </a:schemeClr>
+                </a:solidFill>
+              </a:rPr>
+              <a:t> </a:t>
+            </a:r>
+            <a:r>
+              <a:rPr lang="en-US" dirty="0" err="1">
+                <a:solidFill>
+                  <a:schemeClr val="accent1">
+                    <a:lumMod val="75000"/>
+                  </a:schemeClr>
+                </a:solidFill>
+              </a:rPr>
+              <a:t>roscpp_tutorials</a:t>
+            </a:r>
+            <a:endParaRPr lang="en-US" dirty="0">
+              <a:solidFill>
+                <a:schemeClr val="accent1">
+                  <a:lumMod val="75000"/>
+                </a:schemeClr>
+              </a:solidFill>
+            </a:endParaRPr>
+          </a:p>
+        </p:txBody>
+      </p:sp>
+      <p:sp>
+        <p:nvSpPr>
+          <p:cNvPr id="6" name="TextBox 5"/>
+          <p:cNvSpPr txBox="1"/>
+          <p:nvPr/>
+        </p:nvSpPr>
+        <p:spPr>
+          <a:xfrm>
+            <a:off x="824753" y="3083859"/>
+            <a:ext cx="1526444" cy="369332"/>
+          </a:xfrm>
+          <a:prstGeom prst="rect">
+            <a:avLst/>
+          </a:prstGeom>
+          <a:noFill/>
+        </p:spPr>
+        <p:txBody>
+          <a:bodyPr wrap="none" rtlCol="0">
+            <a:spAutoFit/>
+          </a:bodyPr>
+          <a:lstStyle/>
+          <a:p>
+            <a:r>
+              <a:rPr lang="en-US" dirty="0"/>
+              <a:t>would return: </a:t>
+            </a:r>
+          </a:p>
+        </p:txBody>
+      </p:sp>
+      <p:sp>
+        <p:nvSpPr>
+          <p:cNvPr id="7" name="TextBox 6"/>
+          <p:cNvSpPr txBox="1"/>
+          <p:nvPr/>
+        </p:nvSpPr>
+        <p:spPr>
+          <a:xfrm>
+            <a:off x="3469341" y="3666565"/>
+            <a:ext cx="3009157" cy="369332"/>
+          </a:xfrm>
+          <a:prstGeom prst="rect">
+            <a:avLst/>
+          </a:prstGeom>
+          <a:noFill/>
+          <a:ln>
+            <a:solidFill>
+              <a:srgbClr val="7030A0"/>
+            </a:solidFill>
+          </a:ln>
+        </p:spPr>
+        <p:txBody>
+          <a:bodyPr wrap="none" rtlCol="0">
+            <a:spAutoFit/>
+          </a:bodyPr>
+          <a:lstStyle/>
+          <a:p>
+            <a:r>
+              <a:rPr lang="en-US" dirty="0" err="1">
+                <a:solidFill>
+                  <a:schemeClr val="accent1">
+                    <a:lumMod val="75000"/>
+                  </a:schemeClr>
+                </a:solidFill>
+              </a:rPr>
+              <a:t>cmake</a:t>
+            </a:r>
+            <a:r>
+              <a:rPr lang="en-US" dirty="0">
+                <a:solidFill>
+                  <a:schemeClr val="accent1">
+                    <a:lumMod val="75000"/>
+                  </a:schemeClr>
+                </a:solidFill>
+              </a:rPr>
+              <a:t> launch package.xml </a:t>
+            </a:r>
+            <a:r>
+              <a:rPr lang="en-US" dirty="0" err="1">
+                <a:solidFill>
+                  <a:schemeClr val="accent1">
+                    <a:lumMod val="75000"/>
+                  </a:schemeClr>
+                </a:solidFill>
+              </a:rPr>
+              <a:t>srv</a:t>
+            </a:r>
+            <a:endParaRPr lang="en-US" dirty="0">
+              <a:solidFill>
+                <a:schemeClr val="accent1">
+                  <a:lumMod val="75000"/>
+                </a:schemeClr>
+              </a:solidFill>
+            </a:endParaRPr>
+          </a:p>
+        </p:txBody>
+      </p:sp>
+      <p:sp>
+        <p:nvSpPr>
+          <p:cNvPr id="8" name="TextBox 7"/>
+          <p:cNvSpPr txBox="1"/>
+          <p:nvPr/>
+        </p:nvSpPr>
+        <p:spPr>
+          <a:xfrm>
+            <a:off x="2872557" y="4697506"/>
+            <a:ext cx="6409190" cy="1477328"/>
+          </a:xfrm>
+          <a:prstGeom prst="rect">
+            <a:avLst/>
+          </a:prstGeom>
+          <a:noFill/>
+          <a:ln>
+            <a:solidFill>
+              <a:srgbClr val="7030A0"/>
+            </a:solidFill>
+          </a:ln>
+        </p:spPr>
+        <p:txBody>
+          <a:bodyPr wrap="none" rtlCol="0">
+            <a:spAutoFit/>
+          </a:bodyPr>
+          <a:lstStyle/>
+          <a:p>
+            <a:r>
+              <a:rPr lang="en-US" dirty="0"/>
+              <a:t>You may have noticed a pattern with the naming of the ROS tools: </a:t>
+            </a:r>
+          </a:p>
+          <a:p>
+            <a:r>
+              <a:rPr lang="en-US" dirty="0" err="1"/>
+              <a:t>rospack</a:t>
+            </a:r>
+            <a:r>
+              <a:rPr lang="en-US" dirty="0"/>
+              <a:t> = </a:t>
+            </a:r>
+            <a:r>
+              <a:rPr lang="en-US" dirty="0" err="1"/>
+              <a:t>ros</a:t>
+            </a:r>
+            <a:r>
+              <a:rPr lang="en-US" dirty="0"/>
+              <a:t> + pack(age) </a:t>
+            </a:r>
+          </a:p>
+          <a:p>
+            <a:r>
+              <a:rPr lang="en-US" dirty="0" err="1"/>
+              <a:t>roscd</a:t>
+            </a:r>
+            <a:r>
+              <a:rPr lang="en-US" dirty="0"/>
+              <a:t> = </a:t>
+            </a:r>
+            <a:r>
+              <a:rPr lang="en-US" dirty="0" err="1"/>
+              <a:t>ros</a:t>
+            </a:r>
+            <a:r>
+              <a:rPr lang="en-US" dirty="0"/>
+              <a:t> + cd </a:t>
+            </a:r>
+          </a:p>
+          <a:p>
+            <a:r>
+              <a:rPr lang="en-US" dirty="0" err="1"/>
+              <a:t>rosls</a:t>
+            </a:r>
+            <a:r>
+              <a:rPr lang="en-US" dirty="0"/>
+              <a:t> = </a:t>
+            </a:r>
+            <a:r>
+              <a:rPr lang="en-US" dirty="0" err="1"/>
+              <a:t>ros</a:t>
+            </a:r>
+            <a:r>
+              <a:rPr lang="en-US" dirty="0"/>
+              <a:t> + </a:t>
+            </a:r>
+            <a:r>
+              <a:rPr lang="en-US" dirty="0" err="1"/>
+              <a:t>ls</a:t>
+            </a:r>
+            <a:r>
+              <a:rPr lang="en-US" dirty="0"/>
+              <a:t> </a:t>
+            </a:r>
+          </a:p>
+          <a:p>
+            <a:r>
+              <a:rPr lang="en-US" dirty="0"/>
+              <a:t>This naming pattern holds for </a:t>
+            </a:r>
+            <a:r>
+              <a:rPr lang="en-US" dirty="0" smtClean="0"/>
+              <a:t>many of the ROS tools.</a:t>
+            </a:r>
+            <a:endParaRPr lang="en-US" dirty="0"/>
+          </a:p>
+        </p:txBody>
+      </p:sp>
+    </p:spTree>
+    <p:extLst>
+      <p:ext uri="{BB962C8B-B14F-4D97-AF65-F5344CB8AC3E}">
+        <p14:creationId xmlns:p14="http://schemas.microsoft.com/office/powerpoint/2010/main" val="2955251003"/>
+      </p:ext>
+    </p:extLst>
+  </p:cSld>
+  <p:clrMapOvr>
+    <a:masterClrMapping/>
+  </p:clrMapOvr>
+  <p:timing>
+    <p:tnLst>
+      <p:par>
+        <p:cTn id="1" dur="indefinite" restart="never" nodeType="tmRoot"/>
+      </p:par>
+    </p:tnLst>
+  </p:timing>
+</p:sld>
+</file>
+
+<file path=ppt/slides/slide17.xml><?xml version="1.0" encoding="utf-8"?>
+<p:sld xmlns:a="http://schemas.openxmlformats.org/drawingml/2006/main" xmlns:r="http://schemas.openxmlformats.org/officeDocument/2006/relationships" xmlns:p="http://schemas.openxmlformats.org/presentationml/2006/main">
+  <p:cSld>
+    <p:spTree>
+      <p:nvGrpSpPr>
+        <p:cNvPr id="1" name=""/>
+        <p:cNvGrpSpPr/>
+        <p:nvPr/>
+      </p:nvGrpSpPr>
+      <p:grpSpPr>
+        <a:xfrm>
+          <a:off x="0" y="0"/>
+          <a:ext cx="0" cy="0"/>
+          <a:chOff x="0" y="0"/>
+          <a:chExt cx="0" cy="0"/>
+        </a:xfrm>
+      </p:grpSpPr>
+      <p:sp>
+        <p:nvSpPr>
+          <p:cNvPr id="2" name="TextBox 1"/>
+          <p:cNvSpPr txBox="1"/>
+          <p:nvPr/>
+        </p:nvSpPr>
+        <p:spPr>
+          <a:xfrm>
+            <a:off x="779929" y="591671"/>
+            <a:ext cx="2375394" cy="369332"/>
+          </a:xfrm>
+          <a:prstGeom prst="rect">
+            <a:avLst/>
+          </a:prstGeom>
+          <a:noFill/>
+        </p:spPr>
+        <p:txBody>
+          <a:bodyPr wrap="none" rtlCol="0">
+            <a:spAutoFit/>
+          </a:bodyPr>
+          <a:lstStyle/>
+          <a:p>
+            <a:r>
+              <a:rPr lang="en-US" dirty="0" smtClean="0"/>
+              <a:t>Creating a ROS Package</a:t>
+            </a:r>
+            <a:endParaRPr lang="en-US" dirty="0"/>
+          </a:p>
+        </p:txBody>
+      </p:sp>
+      <p:sp>
+        <p:nvSpPr>
+          <p:cNvPr id="3" name="TextBox 2"/>
+          <p:cNvSpPr txBox="1"/>
+          <p:nvPr/>
+        </p:nvSpPr>
+        <p:spPr>
+          <a:xfrm>
+            <a:off x="779928" y="1264024"/>
+            <a:ext cx="2832848" cy="646331"/>
+          </a:xfrm>
+          <a:prstGeom prst="rect">
+            <a:avLst/>
+          </a:prstGeom>
+          <a:noFill/>
+        </p:spPr>
+        <p:txBody>
+          <a:bodyPr wrap="square" rtlCol="0">
+            <a:spAutoFit/>
+          </a:bodyPr>
+          <a:lstStyle/>
+          <a:p>
+            <a:r>
+              <a:rPr lang="en-US" dirty="0" smtClean="0">
+                <a:hlinkClick r:id="rId2"/>
+              </a:rPr>
+              <a:t>Click here for </a:t>
+            </a:r>
+            <a:r>
+              <a:rPr lang="en-US" dirty="0" err="1" smtClean="0">
+                <a:hlinkClick r:id="rId2"/>
+              </a:rPr>
+              <a:t>english</a:t>
+            </a:r>
+            <a:endParaRPr lang="en-US" dirty="0" smtClean="0"/>
+          </a:p>
+          <a:p>
+            <a:r>
+              <a:rPr lang="en-US" dirty="0" smtClean="0">
+                <a:hlinkClick r:id="rId3"/>
+              </a:rPr>
+              <a:t>Click here for Japanese</a:t>
+            </a:r>
+            <a:endParaRPr lang="en-US" dirty="0"/>
+          </a:p>
+        </p:txBody>
+      </p:sp>
+    </p:spTree>
+    <p:extLst>
+      <p:ext uri="{BB962C8B-B14F-4D97-AF65-F5344CB8AC3E}">
+        <p14:creationId xmlns:p14="http://schemas.microsoft.com/office/powerpoint/2010/main" val="1457436517"/>
+      </p:ext>
+    </p:extLst>
+  </p:cSld>
+  <p:clrMapOvr>
+    <a:masterClrMapping/>
+  </p:clrMapOvr>
+  <p:timing>
+    <p:tnLst>
+      <p:par>
+        <p:cTn id="1" dur="indefinite" restart="never" nodeType="tmRoot"/>
+      </p:par>
+    </p:tnLst>
+  </p:timing>
+</p:sld>
+</file>
+
 <file path=ppt/slides/slide2.xml><?xml version="1.0" encoding="utf-8"?>
 <p:sld xmlns:a="http://schemas.openxmlformats.org/drawingml/2006/main" xmlns:r="http://schemas.openxmlformats.org/officeDocument/2006/relationships" xmlns:p="http://schemas.openxmlformats.org/presentationml/2006/main">
   <p:cSld>
@@ -6703,15 +7354,28 @@
               <a:rPr lang="en-US" dirty="0" smtClean="0">
                 <a:hlinkClick r:id="rId4"/>
               </a:rPr>
-              <a:t>Tutorials</a:t>
-            </a:r>
-            <a:endParaRPr lang="en-US" dirty="0" smtClean="0"/>
+              <a:t>Tutorials English</a:t>
+            </a:r>
+            <a:r>
+              <a:rPr lang="en-US" dirty="0" smtClean="0"/>
+              <a:t> </a:t>
+            </a:r>
           </a:p>
           <a:p>
             <a:pPr lvl="1"/>
             <a:r>
               <a:rPr lang="en-US" dirty="0" smtClean="0">
                 <a:hlinkClick r:id="rId5"/>
+              </a:rPr>
+              <a:t>Tutorial Japanese</a:t>
+            </a:r>
+            <a:endParaRPr lang="en-US" dirty="0" smtClean="0"/>
+          </a:p>
+          <a:p>
+            <a:pPr lvl="1"/>
+            <a:r>
+              <a:rPr lang="en-US" dirty="0" smtClean="0">
+                <a:hlinkClick r:id="rId6"/>
               </a:rPr>
               <a:t>Help forum</a:t>
             </a:r>
